--- a/Documents/SysDesign.pptx
+++ b/Documents/SysDesign.pptx
@@ -7,6 +7,7 @@
   <p:sldIdLst>
     <p:sldId id="256" r:id="rId2"/>
     <p:sldId id="257" r:id="rId3"/>
+    <p:sldId id="258" r:id="rId4"/>
   </p:sldIdLst>
   <p:sldSz cx="9144000" cy="6858000" type="screen4x3"/>
   <p:notesSz cx="6858000" cy="9144000"/>
@@ -289,7 +290,7 @@
           <a:p>
             <a:fld id="{64803F44-6A5C-4E81-BCE3-5E4A61080BC1}" type="datetimeFigureOut">
               <a:rPr lang="en-US" smtClean="0"/>
-              <a:t>7/30/2015</a:t>
+              <a:t>7/31/2015</a:t>
             </a:fld>
             <a:endParaRPr lang="en-US"/>
           </a:p>
@@ -459,7 +460,7 @@
           <a:p>
             <a:fld id="{64803F44-6A5C-4E81-BCE3-5E4A61080BC1}" type="datetimeFigureOut">
               <a:rPr lang="en-US" smtClean="0"/>
-              <a:t>7/30/2015</a:t>
+              <a:t>7/31/2015</a:t>
             </a:fld>
             <a:endParaRPr lang="en-US"/>
           </a:p>
@@ -639,7 +640,7 @@
           <a:p>
             <a:fld id="{64803F44-6A5C-4E81-BCE3-5E4A61080BC1}" type="datetimeFigureOut">
               <a:rPr lang="en-US" smtClean="0"/>
-              <a:t>7/30/2015</a:t>
+              <a:t>7/31/2015</a:t>
             </a:fld>
             <a:endParaRPr lang="en-US"/>
           </a:p>
@@ -809,7 +810,7 @@
           <a:p>
             <a:fld id="{64803F44-6A5C-4E81-BCE3-5E4A61080BC1}" type="datetimeFigureOut">
               <a:rPr lang="en-US" smtClean="0"/>
-              <a:t>7/30/2015</a:t>
+              <a:t>7/31/2015</a:t>
             </a:fld>
             <a:endParaRPr lang="en-US"/>
           </a:p>
@@ -1055,7 +1056,7 @@
           <a:p>
             <a:fld id="{64803F44-6A5C-4E81-BCE3-5E4A61080BC1}" type="datetimeFigureOut">
               <a:rPr lang="en-US" smtClean="0"/>
-              <a:t>7/30/2015</a:t>
+              <a:t>7/31/2015</a:t>
             </a:fld>
             <a:endParaRPr lang="en-US"/>
           </a:p>
@@ -1343,7 +1344,7 @@
           <a:p>
             <a:fld id="{64803F44-6A5C-4E81-BCE3-5E4A61080BC1}" type="datetimeFigureOut">
               <a:rPr lang="en-US" smtClean="0"/>
-              <a:t>7/30/2015</a:t>
+              <a:t>7/31/2015</a:t>
             </a:fld>
             <a:endParaRPr lang="en-US"/>
           </a:p>
@@ -1765,7 +1766,7 @@
           <a:p>
             <a:fld id="{64803F44-6A5C-4E81-BCE3-5E4A61080BC1}" type="datetimeFigureOut">
               <a:rPr lang="en-US" smtClean="0"/>
-              <a:t>7/30/2015</a:t>
+              <a:t>7/31/2015</a:t>
             </a:fld>
             <a:endParaRPr lang="en-US"/>
           </a:p>
@@ -1883,7 +1884,7 @@
           <a:p>
             <a:fld id="{64803F44-6A5C-4E81-BCE3-5E4A61080BC1}" type="datetimeFigureOut">
               <a:rPr lang="en-US" smtClean="0"/>
-              <a:t>7/30/2015</a:t>
+              <a:t>7/31/2015</a:t>
             </a:fld>
             <a:endParaRPr lang="en-US"/>
           </a:p>
@@ -1978,7 +1979,7 @@
           <a:p>
             <a:fld id="{64803F44-6A5C-4E81-BCE3-5E4A61080BC1}" type="datetimeFigureOut">
               <a:rPr lang="en-US" smtClean="0"/>
-              <a:t>7/30/2015</a:t>
+              <a:t>7/31/2015</a:t>
             </a:fld>
             <a:endParaRPr lang="en-US"/>
           </a:p>
@@ -2255,7 +2256,7 @@
           <a:p>
             <a:fld id="{64803F44-6A5C-4E81-BCE3-5E4A61080BC1}" type="datetimeFigureOut">
               <a:rPr lang="en-US" smtClean="0"/>
-              <a:t>7/30/2015</a:t>
+              <a:t>7/31/2015</a:t>
             </a:fld>
             <a:endParaRPr lang="en-US"/>
           </a:p>
@@ -2508,7 +2509,7 @@
           <a:p>
             <a:fld id="{64803F44-6A5C-4E81-BCE3-5E4A61080BC1}" type="datetimeFigureOut">
               <a:rPr lang="en-US" smtClean="0"/>
-              <a:t>7/30/2015</a:t>
+              <a:t>7/31/2015</a:t>
             </a:fld>
             <a:endParaRPr lang="en-US"/>
           </a:p>
@@ -2721,7 +2722,7 @@
           <a:p>
             <a:fld id="{64803F44-6A5C-4E81-BCE3-5E4A61080BC1}" type="datetimeFigureOut">
               <a:rPr lang="en-US" smtClean="0"/>
-              <a:t>7/30/2015</a:t>
+              <a:t>7/31/2015</a:t>
             </a:fld>
             <a:endParaRPr lang="en-US"/>
           </a:p>
@@ -3192,7 +3193,7 @@
         </p:nvSpPr>
         <p:spPr>
           <a:xfrm>
-            <a:off x="514154" y="4568359"/>
+            <a:off x="514154" y="5488847"/>
             <a:ext cx="1143000" cy="685800"/>
           </a:xfrm>
           <a:prstGeom prst="rect">
@@ -3405,7 +3406,7 @@
         </p:nvSpPr>
         <p:spPr>
           <a:xfrm>
-            <a:off x="778497" y="3094640"/>
+            <a:off x="778497" y="2347861"/>
             <a:ext cx="652806" cy="342900"/>
           </a:xfrm>
           <a:prstGeom prst="rect">
@@ -3452,7 +3453,7 @@
         </p:nvSpPr>
         <p:spPr>
           <a:xfrm>
-            <a:off x="2084110" y="2992912"/>
+            <a:off x="2209800" y="3164362"/>
             <a:ext cx="652806" cy="342900"/>
           </a:xfrm>
           <a:prstGeom prst="rect">
@@ -3503,9 +3504,9 @@
           <p:nvPr/>
         </p:nvCxnSpPr>
         <p:spPr>
-          <a:xfrm flipH="1">
-            <a:off x="1085654" y="1371600"/>
-            <a:ext cx="19246" cy="569340"/>
+          <a:xfrm>
+            <a:off x="1104900" y="1371600"/>
+            <a:ext cx="32994" cy="311770"/>
           </a:xfrm>
           <a:prstGeom prst="straightConnector1">
             <a:avLst/>
@@ -3583,8 +3584,8 @@
         </p:nvCxnSpPr>
         <p:spPr>
           <a:xfrm flipH="1">
-            <a:off x="1085654" y="3437540"/>
-            <a:ext cx="19246" cy="1130819"/>
+            <a:off x="1085654" y="2690761"/>
+            <a:ext cx="19246" cy="2798086"/>
           </a:xfrm>
           <a:prstGeom prst="straightConnector1">
             <a:avLst/>
@@ -3612,15 +3613,15 @@
         <p:nvCxnSpPr>
           <p:cNvPr id="25" name="Straight Arrow Connector 24"/>
           <p:cNvCxnSpPr>
-            <a:stCxn id="10" idx="3"/>
+            <a:stCxn id="46" idx="3"/>
             <a:endCxn id="11" idx="1"/>
           </p:cNvCxnSpPr>
           <p:nvPr/>
         </p:nvCxnSpPr>
         <p:spPr>
           <a:xfrm flipV="1">
-            <a:off x="1431303" y="3164362"/>
-            <a:ext cx="652807" cy="101728"/>
+            <a:off x="1431303" y="3335812"/>
+            <a:ext cx="778497" cy="1136918"/>
           </a:xfrm>
           <a:prstGeom prst="straightConnector1">
             <a:avLst/>
@@ -3655,8 +3656,8 @@
         </p:nvCxnSpPr>
         <p:spPr>
           <a:xfrm flipV="1">
-            <a:off x="2736916" y="3111714"/>
-            <a:ext cx="537180" cy="52648"/>
+            <a:off x="2862606" y="3111714"/>
+            <a:ext cx="411490" cy="224098"/>
           </a:xfrm>
           <a:prstGeom prst="straightConnector1">
             <a:avLst/>
@@ -3692,7 +3693,7 @@
         <p:spPr>
           <a:xfrm flipH="1">
             <a:off x="1657154" y="3454614"/>
-            <a:ext cx="2188442" cy="1456645"/>
+            <a:ext cx="2188442" cy="2377133"/>
           </a:xfrm>
           <a:prstGeom prst="straightConnector1">
             <a:avLst/>
@@ -3973,7 +3974,7 @@
         <p:spPr>
           <a:xfrm flipH="1">
             <a:off x="1657154" y="3882169"/>
-            <a:ext cx="3412896" cy="1029090"/>
+            <a:ext cx="3412896" cy="1949578"/>
           </a:xfrm>
           <a:prstGeom prst="straightConnector1">
             <a:avLst/>
@@ -4050,15 +4051,15 @@
         <p:nvCxnSpPr>
           <p:cNvPr id="66" name="Straight Arrow Connector 65"/>
           <p:cNvCxnSpPr>
-            <a:stCxn id="10" idx="2"/>
+            <a:stCxn id="46" idx="3"/>
             <a:endCxn id="65" idx="1"/>
           </p:cNvCxnSpPr>
           <p:nvPr/>
         </p:nvCxnSpPr>
         <p:spPr>
           <a:xfrm>
-            <a:off x="1104900" y="3437540"/>
-            <a:ext cx="2223990" cy="1540645"/>
+            <a:off x="1431303" y="4472730"/>
+            <a:ext cx="1897587" cy="505455"/>
           </a:xfrm>
           <a:prstGeom prst="straightConnector1">
             <a:avLst/>
@@ -4326,7 +4327,7 @@
         </p:nvSpPr>
         <p:spPr>
           <a:xfrm>
-            <a:off x="759251" y="1940940"/>
+            <a:off x="811491" y="1683370"/>
             <a:ext cx="652806" cy="342900"/>
           </a:xfrm>
           <a:prstGeom prst="rect">
@@ -4377,9 +4378,9 @@
           <p:nvPr/>
         </p:nvCxnSpPr>
         <p:spPr>
-          <a:xfrm>
-            <a:off x="1085654" y="2283840"/>
-            <a:ext cx="19246" cy="810800"/>
+          <a:xfrm flipH="1">
+            <a:off x="1104900" y="2026270"/>
+            <a:ext cx="32994" cy="321591"/>
           </a:xfrm>
           <a:prstGeom prst="straightConnector1">
             <a:avLst/>
@@ -4414,8 +4415,8 @@
         </p:nvCxnSpPr>
         <p:spPr>
           <a:xfrm flipH="1" flipV="1">
-            <a:off x="1657154" y="4911259"/>
-            <a:ext cx="2792936" cy="1041375"/>
+            <a:off x="1657154" y="5831747"/>
+            <a:ext cx="2792936" cy="120887"/>
           </a:xfrm>
           <a:prstGeom prst="straightConnector1">
             <a:avLst/>
@@ -4439,6 +4440,102 @@
           </a:fontRef>
         </p:style>
       </p:cxnSp>
+      <p:sp>
+        <p:nvSpPr>
+          <p:cNvPr id="44" name="Rectangle 43"/>
+          <p:cNvSpPr/>
+          <p:nvPr/>
+        </p:nvSpPr>
+        <p:spPr>
+          <a:xfrm>
+            <a:off x="703279" y="3283164"/>
+            <a:ext cx="764749" cy="342900"/>
+          </a:xfrm>
+          <a:prstGeom prst="rect">
+            <a:avLst/>
+          </a:prstGeom>
+          <a:solidFill>
+            <a:schemeClr val="accent6">
+              <a:lumMod val="75000"/>
+            </a:schemeClr>
+          </a:solidFill>
+        </p:spPr>
+        <p:style>
+          <a:lnRef idx="2">
+            <a:schemeClr val="accent1">
+              <a:shade val="50000"/>
+            </a:schemeClr>
+          </a:lnRef>
+          <a:fillRef idx="1">
+            <a:schemeClr val="accent1"/>
+          </a:fillRef>
+          <a:effectRef idx="0">
+            <a:schemeClr val="accent1"/>
+          </a:effectRef>
+          <a:fontRef idx="minor">
+            <a:schemeClr val="lt1"/>
+          </a:fontRef>
+        </p:style>
+        <p:txBody>
+          <a:bodyPr rtlCol="0" anchor="ctr"/>
+          <a:lstStyle/>
+          <a:p>
+            <a:pPr algn="ctr"/>
+            <a:r>
+              <a:rPr lang="en-US" dirty="0" smtClean="0"/>
+              <a:t>M1.1</a:t>
+            </a:r>
+            <a:endParaRPr lang="en-US" dirty="0"/>
+          </a:p>
+        </p:txBody>
+      </p:sp>
+      <p:sp>
+        <p:nvSpPr>
+          <p:cNvPr id="46" name="Rectangle 45"/>
+          <p:cNvSpPr/>
+          <p:nvPr/>
+        </p:nvSpPr>
+        <p:spPr>
+          <a:xfrm>
+            <a:off x="778497" y="4301280"/>
+            <a:ext cx="652806" cy="342900"/>
+          </a:xfrm>
+          <a:prstGeom prst="rect">
+            <a:avLst/>
+          </a:prstGeom>
+          <a:solidFill>
+            <a:srgbClr val="00B050"/>
+          </a:solidFill>
+        </p:spPr>
+        <p:style>
+          <a:lnRef idx="2">
+            <a:schemeClr val="accent1">
+              <a:shade val="50000"/>
+            </a:schemeClr>
+          </a:lnRef>
+          <a:fillRef idx="1">
+            <a:schemeClr val="accent1"/>
+          </a:fillRef>
+          <a:effectRef idx="0">
+            <a:schemeClr val="accent1"/>
+          </a:effectRef>
+          <a:fontRef idx="minor">
+            <a:schemeClr val="lt1"/>
+          </a:fontRef>
+        </p:style>
+        <p:txBody>
+          <a:bodyPr rtlCol="0" anchor="ctr"/>
+          <a:lstStyle/>
+          <a:p>
+            <a:pPr algn="ctr"/>
+            <a:r>
+              <a:rPr lang="en-US" dirty="0" smtClean="0"/>
+              <a:t>txt</a:t>
+            </a:r>
+            <a:endParaRPr lang="en-US" dirty="0"/>
+          </a:p>
+        </p:txBody>
+      </p:sp>
     </p:spTree>
     <p:extLst>
       <p:ext uri="{BB962C8B-B14F-4D97-AF65-F5344CB8AC3E}">
@@ -5140,6 +5237,43 @@
     <p:extLst>
       <p:ext uri="{BB962C8B-B14F-4D97-AF65-F5344CB8AC3E}">
         <p14:creationId xmlns:p14="http://schemas.microsoft.com/office/powerpoint/2010/main" val="4038522138"/>
+      </p:ext>
+    </p:extLst>
+  </p:cSld>
+  <p:clrMapOvr>
+    <a:masterClrMapping/>
+  </p:clrMapOvr>
+  <p:timing>
+    <p:tnLst>
+      <p:par>
+        <p:cTn id="1" dur="indefinite" restart="never" nodeType="tmRoot"/>
+      </p:par>
+    </p:tnLst>
+  </p:timing>
+</p:sld>
+</file>
+
+<file path=ppt/slides/slide3.xml><?xml version="1.0" encoding="utf-8"?>
+<p:sld xmlns:a="http://schemas.openxmlformats.org/drawingml/2006/main" xmlns:r="http://schemas.openxmlformats.org/officeDocument/2006/relationships" xmlns:p="http://schemas.openxmlformats.org/presentationml/2006/main">
+  <p:cSld>
+    <p:spTree>
+      <p:nvGrpSpPr>
+        <p:cNvPr id="1" name=""/>
+        <p:cNvGrpSpPr/>
+        <p:nvPr/>
+      </p:nvGrpSpPr>
+      <p:grpSpPr>
+        <a:xfrm>
+          <a:off x="0" y="0"/>
+          <a:ext cx="0" cy="0"/>
+          <a:chOff x="0" y="0"/>
+          <a:chExt cx="0" cy="0"/>
+        </a:xfrm>
+      </p:grpSpPr>
+    </p:spTree>
+    <p:extLst>
+      <p:ext uri="{BB962C8B-B14F-4D97-AF65-F5344CB8AC3E}">
+        <p14:creationId xmlns:p14="http://schemas.microsoft.com/office/powerpoint/2010/main" val="1752557956"/>
       </p:ext>
     </p:extLst>
   </p:cSld>

--- a/Documents/SysDesign.pptx
+++ b/Documents/SysDesign.pptx
@@ -290,7 +290,7 @@
           <a:p>
             <a:fld id="{64803F44-6A5C-4E81-BCE3-5E4A61080BC1}" type="datetimeFigureOut">
               <a:rPr lang="en-US" smtClean="0"/>
-              <a:t>7/31/2015</a:t>
+              <a:t>8/3/2015</a:t>
             </a:fld>
             <a:endParaRPr lang="en-US"/>
           </a:p>
@@ -460,7 +460,7 @@
           <a:p>
             <a:fld id="{64803F44-6A5C-4E81-BCE3-5E4A61080BC1}" type="datetimeFigureOut">
               <a:rPr lang="en-US" smtClean="0"/>
-              <a:t>7/31/2015</a:t>
+              <a:t>8/3/2015</a:t>
             </a:fld>
             <a:endParaRPr lang="en-US"/>
           </a:p>
@@ -640,7 +640,7 @@
           <a:p>
             <a:fld id="{64803F44-6A5C-4E81-BCE3-5E4A61080BC1}" type="datetimeFigureOut">
               <a:rPr lang="en-US" smtClean="0"/>
-              <a:t>7/31/2015</a:t>
+              <a:t>8/3/2015</a:t>
             </a:fld>
             <a:endParaRPr lang="en-US"/>
           </a:p>
@@ -810,7 +810,7 @@
           <a:p>
             <a:fld id="{64803F44-6A5C-4E81-BCE3-5E4A61080BC1}" type="datetimeFigureOut">
               <a:rPr lang="en-US" smtClean="0"/>
-              <a:t>7/31/2015</a:t>
+              <a:t>8/3/2015</a:t>
             </a:fld>
             <a:endParaRPr lang="en-US"/>
           </a:p>
@@ -1056,7 +1056,7 @@
           <a:p>
             <a:fld id="{64803F44-6A5C-4E81-BCE3-5E4A61080BC1}" type="datetimeFigureOut">
               <a:rPr lang="en-US" smtClean="0"/>
-              <a:t>7/31/2015</a:t>
+              <a:t>8/3/2015</a:t>
             </a:fld>
             <a:endParaRPr lang="en-US"/>
           </a:p>
@@ -1344,7 +1344,7 @@
           <a:p>
             <a:fld id="{64803F44-6A5C-4E81-BCE3-5E4A61080BC1}" type="datetimeFigureOut">
               <a:rPr lang="en-US" smtClean="0"/>
-              <a:t>7/31/2015</a:t>
+              <a:t>8/3/2015</a:t>
             </a:fld>
             <a:endParaRPr lang="en-US"/>
           </a:p>
@@ -1766,7 +1766,7 @@
           <a:p>
             <a:fld id="{64803F44-6A5C-4E81-BCE3-5E4A61080BC1}" type="datetimeFigureOut">
               <a:rPr lang="en-US" smtClean="0"/>
-              <a:t>7/31/2015</a:t>
+              <a:t>8/3/2015</a:t>
             </a:fld>
             <a:endParaRPr lang="en-US"/>
           </a:p>
@@ -1884,7 +1884,7 @@
           <a:p>
             <a:fld id="{64803F44-6A5C-4E81-BCE3-5E4A61080BC1}" type="datetimeFigureOut">
               <a:rPr lang="en-US" smtClean="0"/>
-              <a:t>7/31/2015</a:t>
+              <a:t>8/3/2015</a:t>
             </a:fld>
             <a:endParaRPr lang="en-US"/>
           </a:p>
@@ -1979,7 +1979,7 @@
           <a:p>
             <a:fld id="{64803F44-6A5C-4E81-BCE3-5E4A61080BC1}" type="datetimeFigureOut">
               <a:rPr lang="en-US" smtClean="0"/>
-              <a:t>7/31/2015</a:t>
+              <a:t>8/3/2015</a:t>
             </a:fld>
             <a:endParaRPr lang="en-US"/>
           </a:p>
@@ -2256,7 +2256,7 @@
           <a:p>
             <a:fld id="{64803F44-6A5C-4E81-BCE3-5E4A61080BC1}" type="datetimeFigureOut">
               <a:rPr lang="en-US" smtClean="0"/>
-              <a:t>7/31/2015</a:t>
+              <a:t>8/3/2015</a:t>
             </a:fld>
             <a:endParaRPr lang="en-US"/>
           </a:p>
@@ -2509,7 +2509,7 @@
           <a:p>
             <a:fld id="{64803F44-6A5C-4E81-BCE3-5E4A61080BC1}" type="datetimeFigureOut">
               <a:rPr lang="en-US" smtClean="0"/>
-              <a:t>7/31/2015</a:t>
+              <a:t>8/3/2015</a:t>
             </a:fld>
             <a:endParaRPr lang="en-US"/>
           </a:p>
@@ -2722,7 +2722,7 @@
           <a:p>
             <a:fld id="{64803F44-6A5C-4E81-BCE3-5E4A61080BC1}" type="datetimeFigureOut">
               <a:rPr lang="en-US" smtClean="0"/>
-              <a:t>7/31/2015</a:t>
+              <a:t>8/3/2015</a:t>
             </a:fld>
             <a:endParaRPr lang="en-US"/>
           </a:p>
@@ -4006,7 +4006,7 @@
         </p:nvSpPr>
         <p:spPr>
           <a:xfrm>
-            <a:off x="3328890" y="4806735"/>
+            <a:off x="3080994" y="4856958"/>
             <a:ext cx="652806" cy="342900"/>
           </a:xfrm>
           <a:prstGeom prst="rect">
@@ -4059,7 +4059,7 @@
         <p:spPr>
           <a:xfrm>
             <a:off x="1431303" y="4472730"/>
-            <a:ext cx="1897587" cy="505455"/>
+            <a:ext cx="1649691" cy="555678"/>
           </a:xfrm>
           <a:prstGeom prst="straightConnector1">
             <a:avLst/>
@@ -4094,8 +4094,8 @@
         </p:nvCxnSpPr>
         <p:spPr>
           <a:xfrm flipH="1">
-            <a:off x="3981696" y="4225069"/>
-            <a:ext cx="1659854" cy="753116"/>
+            <a:off x="3733800" y="4225069"/>
+            <a:ext cx="1907750" cy="803339"/>
           </a:xfrm>
           <a:prstGeom prst="straightConnector1">
             <a:avLst/>
@@ -4173,8 +4173,8 @@
         </p:nvCxnSpPr>
         <p:spPr>
           <a:xfrm>
-            <a:off x="3981696" y="4978185"/>
-            <a:ext cx="468394" cy="974449"/>
+            <a:off x="3733800" y="5028408"/>
+            <a:ext cx="716290" cy="924226"/>
           </a:xfrm>
           <a:prstGeom prst="straightConnector1">
             <a:avLst/>

--- a/Documents/SysDesign.pptx
+++ b/Documents/SysDesign.pptx
@@ -5,9 +5,11 @@
     <p:sldMasterId id="2147483648" r:id="rId1"/>
   </p:sldMasterIdLst>
   <p:sldIdLst>
-    <p:sldId id="256" r:id="rId2"/>
-    <p:sldId id="257" r:id="rId3"/>
-    <p:sldId id="258" r:id="rId4"/>
+    <p:sldId id="258" r:id="rId2"/>
+    <p:sldId id="259" r:id="rId3"/>
+    <p:sldId id="260" r:id="rId4"/>
+    <p:sldId id="256" r:id="rId5"/>
+    <p:sldId id="257" r:id="rId6"/>
   </p:sldIdLst>
   <p:sldSz cx="9144000" cy="6858000" type="screen4x3"/>
   <p:notesSz cx="6858000" cy="9144000"/>
@@ -290,7 +292,7 @@
           <a:p>
             <a:fld id="{64803F44-6A5C-4E81-BCE3-5E4A61080BC1}" type="datetimeFigureOut">
               <a:rPr lang="en-US" smtClean="0"/>
-              <a:t>8/3/2015</a:t>
+              <a:t>8/5/2015</a:t>
             </a:fld>
             <a:endParaRPr lang="en-US"/>
           </a:p>
@@ -460,7 +462,7 @@
           <a:p>
             <a:fld id="{64803F44-6A5C-4E81-BCE3-5E4A61080BC1}" type="datetimeFigureOut">
               <a:rPr lang="en-US" smtClean="0"/>
-              <a:t>8/3/2015</a:t>
+              <a:t>8/5/2015</a:t>
             </a:fld>
             <a:endParaRPr lang="en-US"/>
           </a:p>
@@ -640,7 +642,7 @@
           <a:p>
             <a:fld id="{64803F44-6A5C-4E81-BCE3-5E4A61080BC1}" type="datetimeFigureOut">
               <a:rPr lang="en-US" smtClean="0"/>
-              <a:t>8/3/2015</a:t>
+              <a:t>8/5/2015</a:t>
             </a:fld>
             <a:endParaRPr lang="en-US"/>
           </a:p>
@@ -810,7 +812,7 @@
           <a:p>
             <a:fld id="{64803F44-6A5C-4E81-BCE3-5E4A61080BC1}" type="datetimeFigureOut">
               <a:rPr lang="en-US" smtClean="0"/>
-              <a:t>8/3/2015</a:t>
+              <a:t>8/5/2015</a:t>
             </a:fld>
             <a:endParaRPr lang="en-US"/>
           </a:p>
@@ -1056,7 +1058,7 @@
           <a:p>
             <a:fld id="{64803F44-6A5C-4E81-BCE3-5E4A61080BC1}" type="datetimeFigureOut">
               <a:rPr lang="en-US" smtClean="0"/>
-              <a:t>8/3/2015</a:t>
+              <a:t>8/5/2015</a:t>
             </a:fld>
             <a:endParaRPr lang="en-US"/>
           </a:p>
@@ -1344,7 +1346,7 @@
           <a:p>
             <a:fld id="{64803F44-6A5C-4E81-BCE3-5E4A61080BC1}" type="datetimeFigureOut">
               <a:rPr lang="en-US" smtClean="0"/>
-              <a:t>8/3/2015</a:t>
+              <a:t>8/5/2015</a:t>
             </a:fld>
             <a:endParaRPr lang="en-US"/>
           </a:p>
@@ -1766,7 +1768,7 @@
           <a:p>
             <a:fld id="{64803F44-6A5C-4E81-BCE3-5E4A61080BC1}" type="datetimeFigureOut">
               <a:rPr lang="en-US" smtClean="0"/>
-              <a:t>8/3/2015</a:t>
+              <a:t>8/5/2015</a:t>
             </a:fld>
             <a:endParaRPr lang="en-US"/>
           </a:p>
@@ -1884,7 +1886,7 @@
           <a:p>
             <a:fld id="{64803F44-6A5C-4E81-BCE3-5E4A61080BC1}" type="datetimeFigureOut">
               <a:rPr lang="en-US" smtClean="0"/>
-              <a:t>8/3/2015</a:t>
+              <a:t>8/5/2015</a:t>
             </a:fld>
             <a:endParaRPr lang="en-US"/>
           </a:p>
@@ -1979,7 +1981,7 @@
           <a:p>
             <a:fld id="{64803F44-6A5C-4E81-BCE3-5E4A61080BC1}" type="datetimeFigureOut">
               <a:rPr lang="en-US" smtClean="0"/>
-              <a:t>8/3/2015</a:t>
+              <a:t>8/5/2015</a:t>
             </a:fld>
             <a:endParaRPr lang="en-US"/>
           </a:p>
@@ -2256,7 +2258,7 @@
           <a:p>
             <a:fld id="{64803F44-6A5C-4E81-BCE3-5E4A61080BC1}" type="datetimeFigureOut">
               <a:rPr lang="en-US" smtClean="0"/>
-              <a:t>8/3/2015</a:t>
+              <a:t>8/5/2015</a:t>
             </a:fld>
             <a:endParaRPr lang="en-US"/>
           </a:p>
@@ -2509,7 +2511,7 @@
           <a:p>
             <a:fld id="{64803F44-6A5C-4E81-BCE3-5E4A61080BC1}" type="datetimeFigureOut">
               <a:rPr lang="en-US" smtClean="0"/>
-              <a:t>8/3/2015</a:t>
+              <a:t>8/5/2015</a:t>
             </a:fld>
             <a:endParaRPr lang="en-US"/>
           </a:p>
@@ -2722,7 +2724,7 @@
           <a:p>
             <a:fld id="{64803F44-6A5C-4E81-BCE3-5E4A61080BC1}" type="datetimeFigureOut">
               <a:rPr lang="en-US" smtClean="0"/>
-              <a:t>8/3/2015</a:t>
+              <a:t>8/5/2015</a:t>
             </a:fld>
             <a:endParaRPr lang="en-US"/>
           </a:p>
@@ -3099,13 +3101,13 @@
       </p:grpSpPr>
       <p:sp>
         <p:nvSpPr>
-          <p:cNvPr id="4" name="Rectangle 3"/>
+          <p:cNvPr id="2" name="Rectangle 1"/>
           <p:cNvSpPr/>
           <p:nvPr/>
         </p:nvSpPr>
         <p:spPr>
           <a:xfrm>
-            <a:off x="533400" y="685800"/>
+            <a:off x="3795711" y="3352800"/>
             <a:ext cx="1143000" cy="685800"/>
           </a:xfrm>
           <a:prstGeom prst="rect">
@@ -3135,12 +3137,48 @@
             <a:pPr algn="ctr"/>
             <a:r>
               <a:rPr lang="en-US" dirty="0" smtClean="0"/>
-              <a:t>Axium</a:t>
+              <a:t>Script</a:t>
             </a:r>
             <a:endParaRPr lang="en-US" dirty="0"/>
           </a:p>
         </p:txBody>
       </p:sp>
+      <p:cxnSp>
+        <p:nvCxnSpPr>
+          <p:cNvPr id="4" name="Straight Arrow Connector 3"/>
+          <p:cNvCxnSpPr>
+            <a:stCxn id="6" idx="2"/>
+            <a:endCxn id="2" idx="1"/>
+          </p:cNvCxnSpPr>
+          <p:nvPr/>
+        </p:nvCxnSpPr>
+        <p:spPr>
+          <a:xfrm>
+            <a:off x="2069305" y="2371725"/>
+            <a:ext cx="1726406" cy="1323975"/>
+          </a:xfrm>
+          <a:prstGeom prst="straightConnector1">
+            <a:avLst/>
+          </a:prstGeom>
+          <a:ln w="34925">
+            <a:tailEnd type="arrow"/>
+          </a:ln>
+        </p:spPr>
+        <p:style>
+          <a:lnRef idx="1">
+            <a:schemeClr val="accent1"/>
+          </a:lnRef>
+          <a:fillRef idx="0">
+            <a:schemeClr val="accent1"/>
+          </a:fillRef>
+          <a:effectRef idx="0">
+            <a:schemeClr val="accent1"/>
+          </a:effectRef>
+          <a:fontRef idx="minor">
+            <a:schemeClr val="tx1"/>
+          </a:fontRef>
+        </p:style>
+      </p:cxnSp>
       <p:sp>
         <p:nvSpPr>
           <p:cNvPr id="5" name="Rectangle 4"/>
@@ -3149,8 +3187,8 @@
         </p:nvSpPr>
         <p:spPr>
           <a:xfrm>
-            <a:off x="7586024" y="1036753"/>
-            <a:ext cx="1143000" cy="685800"/>
+            <a:off x="3400424" y="5562600"/>
+            <a:ext cx="1933575" cy="685800"/>
           </a:xfrm>
           <a:prstGeom prst="rect">
             <a:avLst/>
@@ -3179,7 +3217,11 @@
             <a:pPr algn="ctr"/>
             <a:r>
               <a:rPr lang="en-US" dirty="0" smtClean="0"/>
-              <a:t>emedny</a:t>
+              <a:t>Eligibility</a:t>
+            </a:r>
+            <a:r>
+              <a:rPr lang="en-US" dirty="0" smtClean="0"/>
+              <a:t> Report</a:t>
             </a:r>
             <a:endParaRPr lang="en-US" dirty="0"/>
           </a:p>
@@ -3193,8 +3235,8 @@
         </p:nvSpPr>
         <p:spPr>
           <a:xfrm>
-            <a:off x="514154" y="5488847"/>
-            <a:ext cx="1143000" cy="685800"/>
+            <a:off x="1116805" y="1685925"/>
+            <a:ext cx="1905000" cy="685800"/>
           </a:xfrm>
           <a:prstGeom prst="rect">
             <a:avLst/>
@@ -3223,14 +3265,7 @@
             <a:pPr algn="ctr"/>
             <a:r>
               <a:rPr lang="en-US" dirty="0" smtClean="0"/>
-              <a:t>Local</a:t>
-            </a:r>
-          </a:p>
-          <a:p>
-            <a:pPr algn="ctr"/>
-            <a:r>
-              <a:rPr lang="en-US" dirty="0" smtClean="0"/>
-              <a:t>Disk</a:t>
+              <a:t>Appointment List</a:t>
             </a:r>
             <a:endParaRPr lang="en-US" dirty="0"/>
           </a:p>
@@ -3244,15 +3279,12 @@
         </p:nvSpPr>
         <p:spPr>
           <a:xfrm>
-            <a:off x="3274096" y="2768814"/>
-            <a:ext cx="1143000" cy="685800"/>
+            <a:off x="6096000" y="1685925"/>
+            <a:ext cx="2362200" cy="685800"/>
           </a:xfrm>
           <a:prstGeom prst="rect">
             <a:avLst/>
           </a:prstGeom>
-          <a:solidFill>
-            <a:srgbClr val="00B050"/>
-          </a:solidFill>
         </p:spPr>
         <p:style>
           <a:lnRef idx="2">
@@ -3277,14 +3309,14 @@
             <a:pPr algn="ctr"/>
             <a:r>
               <a:rPr lang="en-US" dirty="0" smtClean="0"/>
-              <a:t>EDI 270</a:t>
+              <a:t>EDI 271</a:t>
             </a:r>
           </a:p>
           <a:p>
             <a:pPr algn="ctr"/>
             <a:r>
               <a:rPr lang="en-US" dirty="0" smtClean="0"/>
-              <a:t>request</a:t>
+              <a:t>Eligibility Response</a:t>
             </a:r>
             <a:endParaRPr lang="en-US" dirty="0"/>
           </a:p>
@@ -3292,221 +3324,47 @@
       </p:sp>
       <p:sp>
         <p:nvSpPr>
-          <p:cNvPr id="8" name="Rectangle 7"/>
-          <p:cNvSpPr/>
-          <p:nvPr/>
-        </p:nvSpPr>
-        <p:spPr>
-          <a:xfrm>
-            <a:off x="5070050" y="3539269"/>
-            <a:ext cx="1143000" cy="685800"/>
+          <p:cNvPr id="8" name="TextBox 7"/>
+          <p:cNvSpPr txBox="1"/>
+          <p:nvPr/>
+        </p:nvSpPr>
+        <p:spPr>
+          <a:xfrm>
+            <a:off x="2472145" y="347990"/>
+            <a:ext cx="3595280" cy="523220"/>
           </a:xfrm>
           <a:prstGeom prst="rect">
             <a:avLst/>
           </a:prstGeom>
-          <a:solidFill>
-            <a:srgbClr val="00B050"/>
-          </a:solidFill>
-        </p:spPr>
-        <p:style>
-          <a:lnRef idx="2">
-            <a:schemeClr val="accent1">
-              <a:shade val="50000"/>
-            </a:schemeClr>
-          </a:lnRef>
-          <a:fillRef idx="1">
-            <a:schemeClr val="accent1"/>
-          </a:fillRef>
-          <a:effectRef idx="0">
-            <a:schemeClr val="accent1"/>
-          </a:effectRef>
-          <a:fontRef idx="minor">
-            <a:schemeClr val="lt1"/>
-          </a:fontRef>
-        </p:style>
-        <p:txBody>
-          <a:bodyPr rtlCol="0" anchor="ctr"/>
-          <a:lstStyle/>
-          <a:p>
-            <a:pPr algn="ctr"/>
-            <a:r>
-              <a:rPr lang="en-US" dirty="0" smtClean="0"/>
-              <a:t>EDI 271</a:t>
-            </a:r>
-          </a:p>
-          <a:p>
-            <a:pPr algn="ctr"/>
-            <a:r>
-              <a:rPr lang="en-US" dirty="0" smtClean="0"/>
-              <a:t>response</a:t>
-            </a:r>
-            <a:endParaRPr lang="en-US" dirty="0"/>
-          </a:p>
-        </p:txBody>
-      </p:sp>
-      <p:sp>
-        <p:nvSpPr>
-          <p:cNvPr id="9" name="Rectangle 8"/>
-          <p:cNvSpPr/>
-          <p:nvPr/>
-        </p:nvSpPr>
-        <p:spPr>
-          <a:xfrm>
-            <a:off x="4450090" y="5609734"/>
-            <a:ext cx="1143000" cy="685800"/>
-          </a:xfrm>
-          <a:prstGeom prst="rect">
-            <a:avLst/>
-          </a:prstGeom>
-          <a:solidFill>
-            <a:srgbClr val="00B050"/>
-          </a:solidFill>
-        </p:spPr>
-        <p:style>
-          <a:lnRef idx="2">
-            <a:schemeClr val="accent1">
-              <a:shade val="50000"/>
-            </a:schemeClr>
-          </a:lnRef>
-          <a:fillRef idx="1">
-            <a:schemeClr val="accent1"/>
-          </a:fillRef>
-          <a:effectRef idx="0">
-            <a:schemeClr val="accent1"/>
-          </a:effectRef>
-          <a:fontRef idx="minor">
-            <a:schemeClr val="lt1"/>
-          </a:fontRef>
-        </p:style>
-        <p:txBody>
-          <a:bodyPr rtlCol="0" anchor="ctr"/>
-          <a:lstStyle/>
-          <a:p>
-            <a:pPr algn="ctr"/>
-            <a:r>
-              <a:rPr lang="en-US" dirty="0" smtClean="0"/>
-              <a:t>Final</a:t>
-            </a:r>
-          </a:p>
-          <a:p>
-            <a:pPr algn="ctr"/>
-            <a:r>
-              <a:rPr lang="en-US" dirty="0" smtClean="0"/>
-              <a:t>Report</a:t>
-            </a:r>
-            <a:endParaRPr lang="en-US" dirty="0"/>
-          </a:p>
-        </p:txBody>
-      </p:sp>
-      <p:sp>
-        <p:nvSpPr>
-          <p:cNvPr id="10" name="Rectangle 9"/>
-          <p:cNvSpPr/>
-          <p:nvPr/>
-        </p:nvSpPr>
-        <p:spPr>
-          <a:xfrm>
-            <a:off x="778497" y="2347861"/>
-            <a:ext cx="652806" cy="342900"/>
-          </a:xfrm>
-          <a:prstGeom prst="rect">
-            <a:avLst/>
-          </a:prstGeom>
-          <a:solidFill>
-            <a:srgbClr val="00B050"/>
-          </a:solidFill>
-        </p:spPr>
-        <p:style>
-          <a:lnRef idx="2">
-            <a:schemeClr val="accent1">
-              <a:shade val="50000"/>
-            </a:schemeClr>
-          </a:lnRef>
-          <a:fillRef idx="1">
-            <a:schemeClr val="accent1"/>
-          </a:fillRef>
-          <a:effectRef idx="0">
-            <a:schemeClr val="accent1"/>
-          </a:effectRef>
-          <a:fontRef idx="minor">
-            <a:schemeClr val="lt1"/>
-          </a:fontRef>
-        </p:style>
-        <p:txBody>
-          <a:bodyPr rtlCol="0" anchor="ctr"/>
-          <a:lstStyle/>
-          <a:p>
-            <a:pPr algn="ctr"/>
-            <a:r>
-              <a:rPr lang="en-US" dirty="0" smtClean="0"/>
-              <a:t>xls</a:t>
-            </a:r>
-            <a:endParaRPr lang="en-US" dirty="0"/>
-          </a:p>
-        </p:txBody>
-      </p:sp>
-      <p:sp>
-        <p:nvSpPr>
-          <p:cNvPr id="11" name="Rectangle 10"/>
-          <p:cNvSpPr/>
-          <p:nvPr/>
-        </p:nvSpPr>
-        <p:spPr>
-          <a:xfrm>
-            <a:off x="2209800" y="3164362"/>
-            <a:ext cx="652806" cy="342900"/>
-          </a:xfrm>
-          <a:prstGeom prst="rect">
-            <a:avLst/>
-          </a:prstGeom>
-          <a:solidFill>
-            <a:schemeClr val="accent6">
-              <a:lumMod val="75000"/>
-            </a:schemeClr>
-          </a:solidFill>
-        </p:spPr>
-        <p:style>
-          <a:lnRef idx="2">
-            <a:schemeClr val="accent1">
-              <a:shade val="50000"/>
-            </a:schemeClr>
-          </a:lnRef>
-          <a:fillRef idx="1">
-            <a:schemeClr val="accent1"/>
-          </a:fillRef>
-          <a:effectRef idx="0">
-            <a:schemeClr val="accent1"/>
-          </a:effectRef>
-          <a:fontRef idx="minor">
-            <a:schemeClr val="lt1"/>
-          </a:fontRef>
-        </p:style>
-        <p:txBody>
-          <a:bodyPr rtlCol="0" anchor="ctr"/>
-          <a:lstStyle/>
-          <a:p>
-            <a:pPr algn="ctr"/>
-            <a:r>
-              <a:rPr lang="en-US" dirty="0" smtClean="0"/>
-              <a:t>T1</a:t>
-            </a:r>
-            <a:endParaRPr lang="en-US" dirty="0"/>
+          <a:noFill/>
+        </p:spPr>
+        <p:txBody>
+          <a:bodyPr wrap="none" rtlCol="0">
+            <a:spAutoFit/>
+          </a:bodyPr>
+          <a:lstStyle/>
+          <a:p>
+            <a:r>
+              <a:rPr lang="en-US" sz="2800" dirty="0" smtClean="0"/>
+              <a:t>Create Eligibility Report</a:t>
+            </a:r>
+            <a:endParaRPr lang="en-US" sz="2800" dirty="0"/>
           </a:p>
         </p:txBody>
       </p:sp>
       <p:cxnSp>
         <p:nvCxnSpPr>
-          <p:cNvPr id="13" name="Straight Arrow Connector 12"/>
+          <p:cNvPr id="11" name="Straight Arrow Connector 10"/>
           <p:cNvCxnSpPr>
-            <a:stCxn id="4" idx="2"/>
-            <a:endCxn id="97" idx="0"/>
+            <a:stCxn id="2" idx="2"/>
+            <a:endCxn id="5" idx="0"/>
           </p:cNvCxnSpPr>
           <p:nvPr/>
         </p:nvCxnSpPr>
         <p:spPr>
           <a:xfrm>
-            <a:off x="1104900" y="1371600"/>
-            <a:ext cx="32994" cy="311770"/>
+            <a:off x="4367211" y="4038600"/>
+            <a:ext cx="1" cy="1524000"/>
           </a:xfrm>
           <a:prstGeom prst="straightConnector1">
             <a:avLst/>
@@ -3530,62 +3388,19 @@
           </a:fontRef>
         </p:style>
       </p:cxnSp>
-      <p:sp>
-        <p:nvSpPr>
-          <p:cNvPr id="15" name="Rectangle 14"/>
-          <p:cNvSpPr/>
-          <p:nvPr/>
-        </p:nvSpPr>
-        <p:spPr>
-          <a:xfrm>
-            <a:off x="3733800" y="374323"/>
-            <a:ext cx="1676400" cy="457200"/>
-          </a:xfrm>
-          <a:prstGeom prst="rect">
-            <a:avLst/>
-          </a:prstGeom>
-        </p:spPr>
-        <p:style>
-          <a:lnRef idx="2">
-            <a:schemeClr val="accent1">
-              <a:shade val="50000"/>
-            </a:schemeClr>
-          </a:lnRef>
-          <a:fillRef idx="1">
-            <a:schemeClr val="accent1"/>
-          </a:fillRef>
-          <a:effectRef idx="0">
-            <a:schemeClr val="accent1"/>
-          </a:effectRef>
-          <a:fontRef idx="minor">
-            <a:schemeClr val="lt1"/>
-          </a:fontRef>
-        </p:style>
-        <p:txBody>
-          <a:bodyPr rtlCol="0" anchor="ctr"/>
-          <a:lstStyle/>
-          <a:p>
-            <a:pPr algn="ctr"/>
-            <a:r>
-              <a:rPr lang="en-US" dirty="0" smtClean="0"/>
-              <a:t>Dashboard</a:t>
-            </a:r>
-          </a:p>
-        </p:txBody>
-      </p:sp>
       <p:cxnSp>
         <p:nvCxnSpPr>
-          <p:cNvPr id="16" name="Straight Arrow Connector 15"/>
+          <p:cNvPr id="12" name="Straight Arrow Connector 11"/>
           <p:cNvCxnSpPr>
-            <a:stCxn id="10" idx="2"/>
-            <a:endCxn id="6" idx="0"/>
+            <a:stCxn id="7" idx="2"/>
+            <a:endCxn id="2" idx="3"/>
           </p:cNvCxnSpPr>
           <p:nvPr/>
         </p:nvCxnSpPr>
         <p:spPr>
           <a:xfrm flipH="1">
-            <a:off x="1085654" y="2690761"/>
-            <a:ext cx="19246" cy="2798086"/>
+            <a:off x="4938711" y="2371725"/>
+            <a:ext cx="2338389" cy="1323975"/>
           </a:xfrm>
           <a:prstGeom prst="straightConnector1">
             <a:avLst/>
@@ -3609,937 +3424,10 @@
           </a:fontRef>
         </p:style>
       </p:cxnSp>
-      <p:cxnSp>
-        <p:nvCxnSpPr>
-          <p:cNvPr id="25" name="Straight Arrow Connector 24"/>
-          <p:cNvCxnSpPr>
-            <a:stCxn id="46" idx="3"/>
-            <a:endCxn id="11" idx="1"/>
-          </p:cNvCxnSpPr>
-          <p:nvPr/>
-        </p:nvCxnSpPr>
-        <p:spPr>
-          <a:xfrm flipV="1">
-            <a:off x="1431303" y="3335812"/>
-            <a:ext cx="778497" cy="1136918"/>
-          </a:xfrm>
-          <a:prstGeom prst="straightConnector1">
-            <a:avLst/>
-          </a:prstGeom>
-          <a:ln w="34925">
-            <a:tailEnd type="arrow"/>
-          </a:ln>
-        </p:spPr>
-        <p:style>
-          <a:lnRef idx="1">
-            <a:schemeClr val="accent1"/>
-          </a:lnRef>
-          <a:fillRef idx="0">
-            <a:schemeClr val="accent1"/>
-          </a:fillRef>
-          <a:effectRef idx="0">
-            <a:schemeClr val="accent1"/>
-          </a:effectRef>
-          <a:fontRef idx="minor">
-            <a:schemeClr val="tx1"/>
-          </a:fontRef>
-        </p:style>
-      </p:cxnSp>
-      <p:cxnSp>
-        <p:nvCxnSpPr>
-          <p:cNvPr id="29" name="Straight Arrow Connector 28"/>
-          <p:cNvCxnSpPr>
-            <a:stCxn id="11" idx="3"/>
-            <a:endCxn id="7" idx="1"/>
-          </p:cNvCxnSpPr>
-          <p:nvPr/>
-        </p:nvCxnSpPr>
-        <p:spPr>
-          <a:xfrm flipV="1">
-            <a:off x="2862606" y="3111714"/>
-            <a:ext cx="411490" cy="224098"/>
-          </a:xfrm>
-          <a:prstGeom prst="straightConnector1">
-            <a:avLst/>
-          </a:prstGeom>
-          <a:ln w="34925">
-            <a:tailEnd type="arrow"/>
-          </a:ln>
-        </p:spPr>
-        <p:style>
-          <a:lnRef idx="1">
-            <a:schemeClr val="accent1"/>
-          </a:lnRef>
-          <a:fillRef idx="0">
-            <a:schemeClr val="accent1"/>
-          </a:fillRef>
-          <a:effectRef idx="0">
-            <a:schemeClr val="accent1"/>
-          </a:effectRef>
-          <a:fontRef idx="minor">
-            <a:schemeClr val="tx1"/>
-          </a:fontRef>
-        </p:style>
-      </p:cxnSp>
-      <p:cxnSp>
-        <p:nvCxnSpPr>
-          <p:cNvPr id="35" name="Straight Arrow Connector 34"/>
-          <p:cNvCxnSpPr>
-            <a:stCxn id="7" idx="2"/>
-            <a:endCxn id="6" idx="3"/>
-          </p:cNvCxnSpPr>
-          <p:nvPr/>
-        </p:nvCxnSpPr>
-        <p:spPr>
-          <a:xfrm flipH="1">
-            <a:off x="1657154" y="3454614"/>
-            <a:ext cx="2188442" cy="2377133"/>
-          </a:xfrm>
-          <a:prstGeom prst="straightConnector1">
-            <a:avLst/>
-          </a:prstGeom>
-          <a:ln w="34925">
-            <a:tailEnd type="arrow"/>
-          </a:ln>
-        </p:spPr>
-        <p:style>
-          <a:lnRef idx="1">
-            <a:schemeClr val="accent1"/>
-          </a:lnRef>
-          <a:fillRef idx="0">
-            <a:schemeClr val="accent1"/>
-          </a:fillRef>
-          <a:effectRef idx="0">
-            <a:schemeClr val="accent1"/>
-          </a:effectRef>
-          <a:fontRef idx="minor">
-            <a:schemeClr val="tx1"/>
-          </a:fontRef>
-        </p:style>
-      </p:cxnSp>
-      <p:sp>
-        <p:nvSpPr>
-          <p:cNvPr id="40" name="Rectangle 39"/>
-          <p:cNvSpPr/>
-          <p:nvPr/>
-        </p:nvSpPr>
-        <p:spPr>
-          <a:xfrm>
-            <a:off x="5560244" y="2004961"/>
-            <a:ext cx="652806" cy="342900"/>
-          </a:xfrm>
-          <a:prstGeom prst="rect">
-            <a:avLst/>
-          </a:prstGeom>
-          <a:solidFill>
-            <a:schemeClr val="accent6">
-              <a:lumMod val="75000"/>
-            </a:schemeClr>
-          </a:solidFill>
-        </p:spPr>
-        <p:style>
-          <a:lnRef idx="2">
-            <a:schemeClr val="accent1">
-              <a:shade val="50000"/>
-            </a:schemeClr>
-          </a:lnRef>
-          <a:fillRef idx="1">
-            <a:schemeClr val="accent1"/>
-          </a:fillRef>
-          <a:effectRef idx="0">
-            <a:schemeClr val="accent1"/>
-          </a:effectRef>
-          <a:fontRef idx="minor">
-            <a:schemeClr val="lt1"/>
-          </a:fontRef>
-        </p:style>
-        <p:txBody>
-          <a:bodyPr rtlCol="0" anchor="ctr"/>
-          <a:lstStyle/>
-          <a:p>
-            <a:pPr algn="ctr"/>
-            <a:r>
-              <a:rPr lang="en-US" dirty="0" smtClean="0"/>
-              <a:t>M</a:t>
-            </a:r>
-            <a:r>
-              <a:rPr lang="en-US" dirty="0"/>
-              <a:t>2</a:t>
-            </a:r>
-          </a:p>
-        </p:txBody>
-      </p:sp>
-      <p:cxnSp>
-        <p:nvCxnSpPr>
-          <p:cNvPr id="41" name="Straight Arrow Connector 40"/>
-          <p:cNvCxnSpPr>
-            <a:stCxn id="7" idx="3"/>
-            <a:endCxn id="40" idx="1"/>
-          </p:cNvCxnSpPr>
-          <p:nvPr/>
-        </p:nvCxnSpPr>
-        <p:spPr>
-          <a:xfrm flipV="1">
-            <a:off x="4417096" y="2176411"/>
-            <a:ext cx="1143148" cy="935303"/>
-          </a:xfrm>
-          <a:prstGeom prst="straightConnector1">
-            <a:avLst/>
-          </a:prstGeom>
-          <a:ln w="34925">
-            <a:tailEnd type="arrow"/>
-          </a:ln>
-        </p:spPr>
-        <p:style>
-          <a:lnRef idx="1">
-            <a:schemeClr val="accent1"/>
-          </a:lnRef>
-          <a:fillRef idx="0">
-            <a:schemeClr val="accent1"/>
-          </a:fillRef>
-          <a:effectRef idx="0">
-            <a:schemeClr val="accent1"/>
-          </a:effectRef>
-          <a:fontRef idx="minor">
-            <a:schemeClr val="tx1"/>
-          </a:fontRef>
-        </p:style>
-      </p:cxnSp>
-      <p:cxnSp>
-        <p:nvCxnSpPr>
-          <p:cNvPr id="45" name="Straight Arrow Connector 44"/>
-          <p:cNvCxnSpPr>
-            <a:stCxn id="40" idx="3"/>
-            <a:endCxn id="5" idx="1"/>
-          </p:cNvCxnSpPr>
-          <p:nvPr/>
-        </p:nvCxnSpPr>
-        <p:spPr>
-          <a:xfrm flipV="1">
-            <a:off x="6213050" y="1379653"/>
-            <a:ext cx="1372974" cy="796758"/>
-          </a:xfrm>
-          <a:prstGeom prst="straightConnector1">
-            <a:avLst/>
-          </a:prstGeom>
-          <a:ln w="34925">
-            <a:tailEnd type="arrow"/>
-          </a:ln>
-        </p:spPr>
-        <p:style>
-          <a:lnRef idx="1">
-            <a:schemeClr val="accent1"/>
-          </a:lnRef>
-          <a:fillRef idx="0">
-            <a:schemeClr val="accent1"/>
-          </a:fillRef>
-          <a:effectRef idx="0">
-            <a:schemeClr val="accent1"/>
-          </a:effectRef>
-          <a:fontRef idx="minor">
-            <a:schemeClr val="tx1"/>
-          </a:fontRef>
-        </p:style>
-      </p:cxnSp>
-      <p:sp>
-        <p:nvSpPr>
-          <p:cNvPr id="50" name="Rectangle 49"/>
-          <p:cNvSpPr/>
-          <p:nvPr/>
-        </p:nvSpPr>
-        <p:spPr>
-          <a:xfrm>
-            <a:off x="6998027" y="2650012"/>
-            <a:ext cx="652806" cy="342900"/>
-          </a:xfrm>
-          <a:prstGeom prst="rect">
-            <a:avLst/>
-          </a:prstGeom>
-          <a:solidFill>
-            <a:schemeClr val="accent6">
-              <a:lumMod val="75000"/>
-            </a:schemeClr>
-          </a:solidFill>
-        </p:spPr>
-        <p:style>
-          <a:lnRef idx="2">
-            <a:schemeClr val="accent1">
-              <a:shade val="50000"/>
-            </a:schemeClr>
-          </a:lnRef>
-          <a:fillRef idx="1">
-            <a:schemeClr val="accent1"/>
-          </a:fillRef>
-          <a:effectRef idx="0">
-            <a:schemeClr val="accent1"/>
-          </a:effectRef>
-          <a:fontRef idx="minor">
-            <a:schemeClr val="lt1"/>
-          </a:fontRef>
-        </p:style>
-        <p:txBody>
-          <a:bodyPr rtlCol="0" anchor="ctr"/>
-          <a:lstStyle/>
-          <a:p>
-            <a:pPr algn="ctr"/>
-            <a:r>
-              <a:rPr lang="en-US" dirty="0" smtClean="0"/>
-              <a:t>M3</a:t>
-            </a:r>
-            <a:endParaRPr lang="en-US" dirty="0"/>
-          </a:p>
-        </p:txBody>
-      </p:sp>
-      <p:cxnSp>
-        <p:nvCxnSpPr>
-          <p:cNvPr id="51" name="Straight Arrow Connector 50"/>
-          <p:cNvCxnSpPr>
-            <a:stCxn id="5" idx="2"/>
-            <a:endCxn id="50" idx="0"/>
-          </p:cNvCxnSpPr>
-          <p:nvPr/>
-        </p:nvCxnSpPr>
-        <p:spPr>
-          <a:xfrm flipH="1">
-            <a:off x="7324430" y="1722553"/>
-            <a:ext cx="833094" cy="927459"/>
-          </a:xfrm>
-          <a:prstGeom prst="straightConnector1">
-            <a:avLst/>
-          </a:prstGeom>
-          <a:ln w="34925">
-            <a:tailEnd type="arrow"/>
-          </a:ln>
-        </p:spPr>
-        <p:style>
-          <a:lnRef idx="1">
-            <a:schemeClr val="accent1"/>
-          </a:lnRef>
-          <a:fillRef idx="0">
-            <a:schemeClr val="accent1"/>
-          </a:fillRef>
-          <a:effectRef idx="0">
-            <a:schemeClr val="accent1"/>
-          </a:effectRef>
-          <a:fontRef idx="minor">
-            <a:schemeClr val="tx1"/>
-          </a:fontRef>
-        </p:style>
-      </p:cxnSp>
-      <p:cxnSp>
-        <p:nvCxnSpPr>
-          <p:cNvPr id="54" name="Straight Arrow Connector 53"/>
-          <p:cNvCxnSpPr>
-            <a:stCxn id="50" idx="2"/>
-            <a:endCxn id="8" idx="3"/>
-          </p:cNvCxnSpPr>
-          <p:nvPr/>
-        </p:nvCxnSpPr>
-        <p:spPr>
-          <a:xfrm flipH="1">
-            <a:off x="6213050" y="2992912"/>
-            <a:ext cx="1111380" cy="889257"/>
-          </a:xfrm>
-          <a:prstGeom prst="straightConnector1">
-            <a:avLst/>
-          </a:prstGeom>
-          <a:ln w="34925">
-            <a:tailEnd type="arrow"/>
-          </a:ln>
-        </p:spPr>
-        <p:style>
-          <a:lnRef idx="1">
-            <a:schemeClr val="accent1"/>
-          </a:lnRef>
-          <a:fillRef idx="0">
-            <a:schemeClr val="accent1"/>
-          </a:fillRef>
-          <a:effectRef idx="0">
-            <a:schemeClr val="accent1"/>
-          </a:effectRef>
-          <a:fontRef idx="minor">
-            <a:schemeClr val="tx1"/>
-          </a:fontRef>
-        </p:style>
-      </p:cxnSp>
-      <p:cxnSp>
-        <p:nvCxnSpPr>
-          <p:cNvPr id="58" name="Straight Arrow Connector 57"/>
-          <p:cNvCxnSpPr>
-            <a:stCxn id="8" idx="1"/>
-            <a:endCxn id="6" idx="3"/>
-          </p:cNvCxnSpPr>
-          <p:nvPr/>
-        </p:nvCxnSpPr>
-        <p:spPr>
-          <a:xfrm flipH="1">
-            <a:off x="1657154" y="3882169"/>
-            <a:ext cx="3412896" cy="1949578"/>
-          </a:xfrm>
-          <a:prstGeom prst="straightConnector1">
-            <a:avLst/>
-          </a:prstGeom>
-          <a:ln w="34925">
-            <a:tailEnd type="arrow"/>
-          </a:ln>
-        </p:spPr>
-        <p:style>
-          <a:lnRef idx="1">
-            <a:schemeClr val="accent1"/>
-          </a:lnRef>
-          <a:fillRef idx="0">
-            <a:schemeClr val="accent1"/>
-          </a:fillRef>
-          <a:effectRef idx="0">
-            <a:schemeClr val="accent1"/>
-          </a:effectRef>
-          <a:fontRef idx="minor">
-            <a:schemeClr val="tx1"/>
-          </a:fontRef>
-        </p:style>
-      </p:cxnSp>
-      <p:sp>
-        <p:nvSpPr>
-          <p:cNvPr id="65" name="Rectangle 64"/>
-          <p:cNvSpPr/>
-          <p:nvPr/>
-        </p:nvSpPr>
-        <p:spPr>
-          <a:xfrm>
-            <a:off x="3080994" y="4856958"/>
-            <a:ext cx="652806" cy="342900"/>
-          </a:xfrm>
-          <a:prstGeom prst="rect">
-            <a:avLst/>
-          </a:prstGeom>
-          <a:solidFill>
-            <a:schemeClr val="accent6">
-              <a:lumMod val="75000"/>
-            </a:schemeClr>
-          </a:solidFill>
-        </p:spPr>
-        <p:style>
-          <a:lnRef idx="2">
-            <a:schemeClr val="accent1">
-              <a:shade val="50000"/>
-            </a:schemeClr>
-          </a:lnRef>
-          <a:fillRef idx="1">
-            <a:schemeClr val="accent1"/>
-          </a:fillRef>
-          <a:effectRef idx="0">
-            <a:schemeClr val="accent1"/>
-          </a:effectRef>
-          <a:fontRef idx="minor">
-            <a:schemeClr val="lt1"/>
-          </a:fontRef>
-        </p:style>
-        <p:txBody>
-          <a:bodyPr rtlCol="0" anchor="ctr"/>
-          <a:lstStyle/>
-          <a:p>
-            <a:pPr algn="ctr"/>
-            <a:r>
-              <a:rPr lang="en-US" dirty="0" smtClean="0"/>
-              <a:t>T2</a:t>
-            </a:r>
-            <a:endParaRPr lang="en-US" dirty="0"/>
-          </a:p>
-        </p:txBody>
-      </p:sp>
-      <p:cxnSp>
-        <p:nvCxnSpPr>
-          <p:cNvPr id="66" name="Straight Arrow Connector 65"/>
-          <p:cNvCxnSpPr>
-            <a:stCxn id="46" idx="3"/>
-            <a:endCxn id="65" idx="1"/>
-          </p:cNvCxnSpPr>
-          <p:nvPr/>
-        </p:nvCxnSpPr>
-        <p:spPr>
-          <a:xfrm>
-            <a:off x="1431303" y="4472730"/>
-            <a:ext cx="1649691" cy="555678"/>
-          </a:xfrm>
-          <a:prstGeom prst="straightConnector1">
-            <a:avLst/>
-          </a:prstGeom>
-          <a:ln w="34925">
-            <a:tailEnd type="arrow"/>
-          </a:ln>
-        </p:spPr>
-        <p:style>
-          <a:lnRef idx="1">
-            <a:schemeClr val="accent1"/>
-          </a:lnRef>
-          <a:fillRef idx="0">
-            <a:schemeClr val="accent1"/>
-          </a:fillRef>
-          <a:effectRef idx="0">
-            <a:schemeClr val="accent1"/>
-          </a:effectRef>
-          <a:fontRef idx="minor">
-            <a:schemeClr val="tx1"/>
-          </a:fontRef>
-        </p:style>
-      </p:cxnSp>
-      <p:cxnSp>
-        <p:nvCxnSpPr>
-          <p:cNvPr id="69" name="Straight Arrow Connector 68"/>
-          <p:cNvCxnSpPr>
-            <a:stCxn id="8" idx="2"/>
-            <a:endCxn id="65" idx="3"/>
-          </p:cNvCxnSpPr>
-          <p:nvPr/>
-        </p:nvCxnSpPr>
-        <p:spPr>
-          <a:xfrm flipH="1">
-            <a:off x="3733800" y="4225069"/>
-            <a:ext cx="1907750" cy="803339"/>
-          </a:xfrm>
-          <a:prstGeom prst="straightConnector1">
-            <a:avLst/>
-          </a:prstGeom>
-          <a:ln w="34925">
-            <a:tailEnd type="arrow"/>
-          </a:ln>
-        </p:spPr>
-        <p:style>
-          <a:lnRef idx="1">
-            <a:schemeClr val="accent1"/>
-          </a:lnRef>
-          <a:fillRef idx="0">
-            <a:schemeClr val="accent1"/>
-          </a:fillRef>
-          <a:effectRef idx="0">
-            <a:schemeClr val="accent1"/>
-          </a:effectRef>
-          <a:fontRef idx="minor">
-            <a:schemeClr val="tx1"/>
-          </a:fontRef>
-        </p:style>
-      </p:cxnSp>
-      <p:sp>
-        <p:nvSpPr>
-          <p:cNvPr id="72" name="Rectangle 71"/>
-          <p:cNvSpPr/>
-          <p:nvPr/>
-        </p:nvSpPr>
-        <p:spPr>
-          <a:xfrm>
-            <a:off x="7741370" y="5638800"/>
-            <a:ext cx="1143000" cy="685800"/>
-          </a:xfrm>
-          <a:prstGeom prst="rect">
-            <a:avLst/>
-          </a:prstGeom>
-        </p:spPr>
-        <p:style>
-          <a:lnRef idx="2">
-            <a:schemeClr val="accent1">
-              <a:shade val="50000"/>
-            </a:schemeClr>
-          </a:lnRef>
-          <a:fillRef idx="1">
-            <a:schemeClr val="accent1"/>
-          </a:fillRef>
-          <a:effectRef idx="0">
-            <a:schemeClr val="accent1"/>
-          </a:effectRef>
-          <a:fontRef idx="minor">
-            <a:schemeClr val="lt1"/>
-          </a:fontRef>
-        </p:style>
-        <p:txBody>
-          <a:bodyPr rtlCol="0" anchor="ctr"/>
-          <a:lstStyle/>
-          <a:p>
-            <a:pPr algn="ctr"/>
-            <a:r>
-              <a:rPr lang="en-US" dirty="0" smtClean="0"/>
-              <a:t>Clinic Ops</a:t>
-            </a:r>
-          </a:p>
-        </p:txBody>
-      </p:sp>
-      <p:cxnSp>
-        <p:nvCxnSpPr>
-          <p:cNvPr id="73" name="Straight Arrow Connector 72"/>
-          <p:cNvCxnSpPr>
-            <a:stCxn id="65" idx="3"/>
-            <a:endCxn id="9" idx="1"/>
-          </p:cNvCxnSpPr>
-          <p:nvPr/>
-        </p:nvCxnSpPr>
-        <p:spPr>
-          <a:xfrm>
-            <a:off x="3733800" y="5028408"/>
-            <a:ext cx="716290" cy="924226"/>
-          </a:xfrm>
-          <a:prstGeom prst="straightConnector1">
-            <a:avLst/>
-          </a:prstGeom>
-          <a:ln w="34925">
-            <a:tailEnd type="arrow"/>
-          </a:ln>
-        </p:spPr>
-        <p:style>
-          <a:lnRef idx="1">
-            <a:schemeClr val="accent1"/>
-          </a:lnRef>
-          <a:fillRef idx="0">
-            <a:schemeClr val="accent1"/>
-          </a:fillRef>
-          <a:effectRef idx="0">
-            <a:schemeClr val="accent1"/>
-          </a:effectRef>
-          <a:fontRef idx="minor">
-            <a:schemeClr val="tx1"/>
-          </a:fontRef>
-        </p:style>
-      </p:cxnSp>
-      <p:sp>
-        <p:nvSpPr>
-          <p:cNvPr id="80" name="Rectangle 79"/>
-          <p:cNvSpPr/>
-          <p:nvPr/>
-        </p:nvSpPr>
-        <p:spPr>
-          <a:xfrm>
-            <a:off x="6345221" y="5781184"/>
-            <a:ext cx="652806" cy="342900"/>
-          </a:xfrm>
-          <a:prstGeom prst="rect">
-            <a:avLst/>
-          </a:prstGeom>
-          <a:solidFill>
-            <a:schemeClr val="accent6">
-              <a:lumMod val="75000"/>
-            </a:schemeClr>
-          </a:solidFill>
-        </p:spPr>
-        <p:style>
-          <a:lnRef idx="2">
-            <a:schemeClr val="accent1">
-              <a:shade val="50000"/>
-            </a:schemeClr>
-          </a:lnRef>
-          <a:fillRef idx="1">
-            <a:schemeClr val="accent1"/>
-          </a:fillRef>
-          <a:effectRef idx="0">
-            <a:schemeClr val="accent1"/>
-          </a:effectRef>
-          <a:fontRef idx="minor">
-            <a:schemeClr val="lt1"/>
-          </a:fontRef>
-        </p:style>
-        <p:txBody>
-          <a:bodyPr rtlCol="0" anchor="ctr"/>
-          <a:lstStyle/>
-          <a:p>
-            <a:pPr algn="ctr"/>
-            <a:r>
-              <a:rPr lang="en-US" dirty="0" smtClean="0"/>
-              <a:t>M4</a:t>
-            </a:r>
-            <a:endParaRPr lang="en-US" dirty="0"/>
-          </a:p>
-        </p:txBody>
-      </p:sp>
-      <p:cxnSp>
-        <p:nvCxnSpPr>
-          <p:cNvPr id="81" name="Straight Arrow Connector 80"/>
-          <p:cNvCxnSpPr>
-            <a:stCxn id="9" idx="3"/>
-            <a:endCxn id="80" idx="1"/>
-          </p:cNvCxnSpPr>
-          <p:nvPr/>
-        </p:nvCxnSpPr>
-        <p:spPr>
-          <a:xfrm>
-            <a:off x="5593090" y="5952634"/>
-            <a:ext cx="752131" cy="0"/>
-          </a:xfrm>
-          <a:prstGeom prst="straightConnector1">
-            <a:avLst/>
-          </a:prstGeom>
-          <a:ln w="34925">
-            <a:tailEnd type="arrow"/>
-          </a:ln>
-        </p:spPr>
-        <p:style>
-          <a:lnRef idx="1">
-            <a:schemeClr val="accent1"/>
-          </a:lnRef>
-          <a:fillRef idx="0">
-            <a:schemeClr val="accent1"/>
-          </a:fillRef>
-          <a:effectRef idx="0">
-            <a:schemeClr val="accent1"/>
-          </a:effectRef>
-          <a:fontRef idx="minor">
-            <a:schemeClr val="tx1"/>
-          </a:fontRef>
-        </p:style>
-      </p:cxnSp>
-      <p:cxnSp>
-        <p:nvCxnSpPr>
-          <p:cNvPr id="84" name="Straight Arrow Connector 83"/>
-          <p:cNvCxnSpPr>
-            <a:stCxn id="80" idx="3"/>
-            <a:endCxn id="72" idx="1"/>
-          </p:cNvCxnSpPr>
-          <p:nvPr/>
-        </p:nvCxnSpPr>
-        <p:spPr>
-          <a:xfrm>
-            <a:off x="6998027" y="5952634"/>
-            <a:ext cx="743343" cy="29066"/>
-          </a:xfrm>
-          <a:prstGeom prst="straightConnector1">
-            <a:avLst/>
-          </a:prstGeom>
-          <a:ln w="34925">
-            <a:tailEnd type="arrow"/>
-          </a:ln>
-        </p:spPr>
-        <p:style>
-          <a:lnRef idx="1">
-            <a:schemeClr val="accent1"/>
-          </a:lnRef>
-          <a:fillRef idx="0">
-            <a:schemeClr val="accent1"/>
-          </a:fillRef>
-          <a:effectRef idx="0">
-            <a:schemeClr val="accent1"/>
-          </a:effectRef>
-          <a:fontRef idx="minor">
-            <a:schemeClr val="tx1"/>
-          </a:fontRef>
-        </p:style>
-      </p:cxnSp>
-      <p:sp>
-        <p:nvSpPr>
-          <p:cNvPr id="97" name="Rectangle 96"/>
-          <p:cNvSpPr/>
-          <p:nvPr/>
-        </p:nvSpPr>
-        <p:spPr>
-          <a:xfrm>
-            <a:off x="811491" y="1683370"/>
-            <a:ext cx="652806" cy="342900"/>
-          </a:xfrm>
-          <a:prstGeom prst="rect">
-            <a:avLst/>
-          </a:prstGeom>
-          <a:solidFill>
-            <a:schemeClr val="accent6">
-              <a:lumMod val="75000"/>
-            </a:schemeClr>
-          </a:solidFill>
-        </p:spPr>
-        <p:style>
-          <a:lnRef idx="2">
-            <a:schemeClr val="accent1">
-              <a:shade val="50000"/>
-            </a:schemeClr>
-          </a:lnRef>
-          <a:fillRef idx="1">
-            <a:schemeClr val="accent1"/>
-          </a:fillRef>
-          <a:effectRef idx="0">
-            <a:schemeClr val="accent1"/>
-          </a:effectRef>
-          <a:fontRef idx="minor">
-            <a:schemeClr val="lt1"/>
-          </a:fontRef>
-        </p:style>
-        <p:txBody>
-          <a:bodyPr rtlCol="0" anchor="ctr"/>
-          <a:lstStyle/>
-          <a:p>
-            <a:pPr algn="ctr"/>
-            <a:r>
-              <a:rPr lang="en-US" dirty="0" smtClean="0"/>
-              <a:t>M1</a:t>
-            </a:r>
-            <a:endParaRPr lang="en-US" dirty="0"/>
-          </a:p>
-        </p:txBody>
-      </p:sp>
-      <p:cxnSp>
-        <p:nvCxnSpPr>
-          <p:cNvPr id="98" name="Straight Arrow Connector 97"/>
-          <p:cNvCxnSpPr>
-            <a:stCxn id="97" idx="2"/>
-            <a:endCxn id="10" idx="0"/>
-          </p:cNvCxnSpPr>
-          <p:nvPr/>
-        </p:nvCxnSpPr>
-        <p:spPr>
-          <a:xfrm flipH="1">
-            <a:off x="1104900" y="2026270"/>
-            <a:ext cx="32994" cy="321591"/>
-          </a:xfrm>
-          <a:prstGeom prst="straightConnector1">
-            <a:avLst/>
-          </a:prstGeom>
-          <a:ln w="34925">
-            <a:tailEnd type="arrow"/>
-          </a:ln>
-        </p:spPr>
-        <p:style>
-          <a:lnRef idx="1">
-            <a:schemeClr val="accent1"/>
-          </a:lnRef>
-          <a:fillRef idx="0">
-            <a:schemeClr val="accent1"/>
-          </a:fillRef>
-          <a:effectRef idx="0">
-            <a:schemeClr val="accent1"/>
-          </a:effectRef>
-          <a:fontRef idx="minor">
-            <a:schemeClr val="tx1"/>
-          </a:fontRef>
-        </p:style>
-      </p:cxnSp>
-      <p:cxnSp>
-        <p:nvCxnSpPr>
-          <p:cNvPr id="200" name="Straight Arrow Connector 199"/>
-          <p:cNvCxnSpPr>
-            <a:stCxn id="9" idx="1"/>
-            <a:endCxn id="6" idx="3"/>
-          </p:cNvCxnSpPr>
-          <p:nvPr/>
-        </p:nvCxnSpPr>
-        <p:spPr>
-          <a:xfrm flipH="1" flipV="1">
-            <a:off x="1657154" y="5831747"/>
-            <a:ext cx="2792936" cy="120887"/>
-          </a:xfrm>
-          <a:prstGeom prst="straightConnector1">
-            <a:avLst/>
-          </a:prstGeom>
-          <a:ln w="34925">
-            <a:tailEnd type="arrow"/>
-          </a:ln>
-        </p:spPr>
-        <p:style>
-          <a:lnRef idx="1">
-            <a:schemeClr val="accent1"/>
-          </a:lnRef>
-          <a:fillRef idx="0">
-            <a:schemeClr val="accent1"/>
-          </a:fillRef>
-          <a:effectRef idx="0">
-            <a:schemeClr val="accent1"/>
-          </a:effectRef>
-          <a:fontRef idx="minor">
-            <a:schemeClr val="tx1"/>
-          </a:fontRef>
-        </p:style>
-      </p:cxnSp>
-      <p:sp>
-        <p:nvSpPr>
-          <p:cNvPr id="44" name="Rectangle 43"/>
-          <p:cNvSpPr/>
-          <p:nvPr/>
-        </p:nvSpPr>
-        <p:spPr>
-          <a:xfrm>
-            <a:off x="703279" y="3283164"/>
-            <a:ext cx="764749" cy="342900"/>
-          </a:xfrm>
-          <a:prstGeom prst="rect">
-            <a:avLst/>
-          </a:prstGeom>
-          <a:solidFill>
-            <a:schemeClr val="accent6">
-              <a:lumMod val="75000"/>
-            </a:schemeClr>
-          </a:solidFill>
-        </p:spPr>
-        <p:style>
-          <a:lnRef idx="2">
-            <a:schemeClr val="accent1">
-              <a:shade val="50000"/>
-            </a:schemeClr>
-          </a:lnRef>
-          <a:fillRef idx="1">
-            <a:schemeClr val="accent1"/>
-          </a:fillRef>
-          <a:effectRef idx="0">
-            <a:schemeClr val="accent1"/>
-          </a:effectRef>
-          <a:fontRef idx="minor">
-            <a:schemeClr val="lt1"/>
-          </a:fontRef>
-        </p:style>
-        <p:txBody>
-          <a:bodyPr rtlCol="0" anchor="ctr"/>
-          <a:lstStyle/>
-          <a:p>
-            <a:pPr algn="ctr"/>
-            <a:r>
-              <a:rPr lang="en-US" dirty="0" smtClean="0"/>
-              <a:t>M1.1</a:t>
-            </a:r>
-            <a:endParaRPr lang="en-US" dirty="0"/>
-          </a:p>
-        </p:txBody>
-      </p:sp>
-      <p:sp>
-        <p:nvSpPr>
-          <p:cNvPr id="46" name="Rectangle 45"/>
-          <p:cNvSpPr/>
-          <p:nvPr/>
-        </p:nvSpPr>
-        <p:spPr>
-          <a:xfrm>
-            <a:off x="778497" y="4301280"/>
-            <a:ext cx="652806" cy="342900"/>
-          </a:xfrm>
-          <a:prstGeom prst="rect">
-            <a:avLst/>
-          </a:prstGeom>
-          <a:solidFill>
-            <a:srgbClr val="00B050"/>
-          </a:solidFill>
-        </p:spPr>
-        <p:style>
-          <a:lnRef idx="2">
-            <a:schemeClr val="accent1">
-              <a:shade val="50000"/>
-            </a:schemeClr>
-          </a:lnRef>
-          <a:fillRef idx="1">
-            <a:schemeClr val="accent1"/>
-          </a:fillRef>
-          <a:effectRef idx="0">
-            <a:schemeClr val="accent1"/>
-          </a:effectRef>
-          <a:fontRef idx="minor">
-            <a:schemeClr val="lt1"/>
-          </a:fontRef>
-        </p:style>
-        <p:txBody>
-          <a:bodyPr rtlCol="0" anchor="ctr"/>
-          <a:lstStyle/>
-          <a:p>
-            <a:pPr algn="ctr"/>
-            <a:r>
-              <a:rPr lang="en-US" dirty="0" smtClean="0"/>
-              <a:t>txt</a:t>
-            </a:r>
-            <a:endParaRPr lang="en-US" dirty="0"/>
-          </a:p>
-        </p:txBody>
-      </p:sp>
     </p:spTree>
     <p:extLst>
       <p:ext uri="{BB962C8B-B14F-4D97-AF65-F5344CB8AC3E}">
-        <p14:creationId xmlns:p14="http://schemas.microsoft.com/office/powerpoint/2010/main" val="2986791140"/>
+        <p14:creationId xmlns:p14="http://schemas.microsoft.com/office/powerpoint/2010/main" val="1752557956"/>
       </p:ext>
     </p:extLst>
   </p:cSld>
@@ -4575,14 +3463,14 @@
       </p:grpSpPr>
       <p:sp>
         <p:nvSpPr>
-          <p:cNvPr id="3" name="Rectangle 2"/>
+          <p:cNvPr id="2" name="Rectangle 1"/>
           <p:cNvSpPr/>
           <p:nvPr/>
         </p:nvSpPr>
         <p:spPr>
           <a:xfrm>
-            <a:off x="304800" y="228600"/>
-            <a:ext cx="1865330" cy="381000"/>
+            <a:off x="3795641" y="2286000"/>
+            <a:ext cx="1143000" cy="685800"/>
           </a:xfrm>
           <a:prstGeom prst="rect">
             <a:avLst/>
@@ -4611,7 +3499,7 @@
             <a:pPr algn="ctr"/>
             <a:r>
               <a:rPr lang="en-US" dirty="0" smtClean="0"/>
-              <a:t>System</a:t>
+              <a:t>Axium</a:t>
             </a:r>
             <a:endParaRPr lang="en-US" dirty="0"/>
           </a:p>
@@ -4619,14 +3507,14 @@
       </p:sp>
       <p:sp>
         <p:nvSpPr>
-          <p:cNvPr id="4" name="Rectangle 3"/>
+          <p:cNvPr id="6" name="Rectangle 5"/>
           <p:cNvSpPr/>
           <p:nvPr/>
         </p:nvSpPr>
         <p:spPr>
           <a:xfrm>
-            <a:off x="2415520" y="1236481"/>
-            <a:ext cx="1865330" cy="381000"/>
+            <a:off x="3414641" y="4762500"/>
+            <a:ext cx="1905000" cy="685800"/>
           </a:xfrm>
           <a:prstGeom prst="rect">
             <a:avLst/>
@@ -4655,7 +3543,7 @@
             <a:pPr algn="ctr"/>
             <a:r>
               <a:rPr lang="en-US" dirty="0" smtClean="0"/>
-              <a:t>Appointments</a:t>
+              <a:t>Appointment List</a:t>
             </a:r>
             <a:endParaRPr lang="en-US" dirty="0"/>
           </a:p>
@@ -4663,560 +3551,54 @@
       </p:sp>
       <p:sp>
         <p:nvSpPr>
-          <p:cNvPr id="5" name="Rectangle 4"/>
-          <p:cNvSpPr/>
-          <p:nvPr/>
-        </p:nvSpPr>
-        <p:spPr>
-          <a:xfrm>
-            <a:off x="2511065" y="2661504"/>
-            <a:ext cx="1865330" cy="381000"/>
+          <p:cNvPr id="8" name="TextBox 7"/>
+          <p:cNvSpPr txBox="1"/>
+          <p:nvPr/>
+        </p:nvSpPr>
+        <p:spPr>
+          <a:xfrm>
+            <a:off x="3021805" y="347990"/>
+            <a:ext cx="2690673" cy="523220"/>
           </a:xfrm>
           <a:prstGeom prst="rect">
             <a:avLst/>
           </a:prstGeom>
-        </p:spPr>
-        <p:style>
-          <a:lnRef idx="2">
-            <a:schemeClr val="accent1">
-              <a:shade val="50000"/>
-            </a:schemeClr>
-          </a:lnRef>
-          <a:fillRef idx="1">
-            <a:schemeClr val="accent1"/>
-          </a:fillRef>
-          <a:effectRef idx="0">
-            <a:schemeClr val="accent1"/>
-          </a:effectRef>
-          <a:fontRef idx="minor">
-            <a:schemeClr val="lt1"/>
-          </a:fontRef>
-        </p:style>
-        <p:txBody>
-          <a:bodyPr rtlCol="0" anchor="ctr"/>
-          <a:lstStyle/>
-          <a:p>
-            <a:pPr algn="ctr"/>
-            <a:r>
-              <a:rPr lang="en-US" dirty="0" smtClean="0"/>
-              <a:t>EDI_Request</a:t>
-            </a:r>
-            <a:endParaRPr lang="en-US" dirty="0"/>
-          </a:p>
-        </p:txBody>
-      </p:sp>
-      <p:sp>
-        <p:nvSpPr>
-          <p:cNvPr id="6" name="Rectangle 5"/>
-          <p:cNvSpPr/>
-          <p:nvPr/>
-        </p:nvSpPr>
-        <p:spPr>
-          <a:xfrm>
-            <a:off x="2508906" y="3974185"/>
-            <a:ext cx="1865330" cy="381000"/>
-          </a:xfrm>
-          <a:prstGeom prst="rect">
-            <a:avLst/>
-          </a:prstGeom>
-        </p:spPr>
-        <p:style>
-          <a:lnRef idx="2">
-            <a:schemeClr val="accent1">
-              <a:shade val="50000"/>
-            </a:schemeClr>
-          </a:lnRef>
-          <a:fillRef idx="1">
-            <a:schemeClr val="accent1"/>
-          </a:fillRef>
-          <a:effectRef idx="0">
-            <a:schemeClr val="accent1"/>
-          </a:effectRef>
-          <a:fontRef idx="minor">
-            <a:schemeClr val="lt1"/>
-          </a:fontRef>
-        </p:style>
-        <p:txBody>
-          <a:bodyPr rtlCol="0" anchor="ctr"/>
-          <a:lstStyle/>
-          <a:p>
-            <a:pPr algn="ctr"/>
-            <a:r>
-              <a:rPr lang="en-US" dirty="0" smtClean="0"/>
-              <a:t>EDI_Response</a:t>
-            </a:r>
-            <a:endParaRPr lang="en-US" dirty="0"/>
-          </a:p>
-        </p:txBody>
-      </p:sp>
-      <p:sp>
-        <p:nvSpPr>
-          <p:cNvPr id="7" name="Rectangle 6"/>
-          <p:cNvSpPr/>
-          <p:nvPr/>
-        </p:nvSpPr>
-        <p:spPr>
-          <a:xfrm>
-            <a:off x="2511064" y="5334000"/>
-            <a:ext cx="1865330" cy="381000"/>
-          </a:xfrm>
-          <a:prstGeom prst="rect">
-            <a:avLst/>
-          </a:prstGeom>
-        </p:spPr>
-        <p:style>
-          <a:lnRef idx="2">
-            <a:schemeClr val="accent1">
-              <a:shade val="50000"/>
-            </a:schemeClr>
-          </a:lnRef>
-          <a:fillRef idx="1">
-            <a:schemeClr val="accent1"/>
-          </a:fillRef>
-          <a:effectRef idx="0">
-            <a:schemeClr val="accent1"/>
-          </a:effectRef>
-          <a:fontRef idx="minor">
-            <a:schemeClr val="lt1"/>
-          </a:fontRef>
-        </p:style>
-        <p:txBody>
-          <a:bodyPr rtlCol="0" anchor="ctr"/>
-          <a:lstStyle/>
-          <a:p>
-            <a:pPr algn="ctr"/>
-            <a:r>
-              <a:rPr lang="en-US" dirty="0" smtClean="0"/>
-              <a:t>Final_Report</a:t>
-            </a:r>
-            <a:endParaRPr lang="en-US" dirty="0"/>
-          </a:p>
-        </p:txBody>
-      </p:sp>
-      <p:sp>
-        <p:nvSpPr>
-          <p:cNvPr id="8" name="Rectangle 7"/>
-          <p:cNvSpPr/>
-          <p:nvPr/>
-        </p:nvSpPr>
-        <p:spPr>
-          <a:xfrm>
-            <a:off x="4764366" y="1782645"/>
-            <a:ext cx="1865330" cy="381000"/>
-          </a:xfrm>
-          <a:prstGeom prst="rect">
-            <a:avLst/>
-          </a:prstGeom>
-        </p:spPr>
-        <p:style>
-          <a:lnRef idx="2">
-            <a:schemeClr val="accent1">
-              <a:shade val="50000"/>
-            </a:schemeClr>
-          </a:lnRef>
-          <a:fillRef idx="1">
-            <a:schemeClr val="accent1"/>
-          </a:fillRef>
-          <a:effectRef idx="0">
-            <a:schemeClr val="accent1"/>
-          </a:effectRef>
-          <a:fontRef idx="minor">
-            <a:schemeClr val="lt1"/>
-          </a:fontRef>
-        </p:style>
-        <p:txBody>
-          <a:bodyPr rtlCol="0" anchor="ctr"/>
-          <a:lstStyle/>
-          <a:p>
-            <a:pPr algn="ctr"/>
-            <a:r>
-              <a:rPr lang="en-US" dirty="0" smtClean="0"/>
-              <a:t>Archive</a:t>
-            </a:r>
-            <a:endParaRPr lang="en-US" dirty="0"/>
-          </a:p>
-        </p:txBody>
-      </p:sp>
-      <p:sp>
-        <p:nvSpPr>
-          <p:cNvPr id="10" name="Rectangle 9"/>
-          <p:cNvSpPr/>
-          <p:nvPr/>
-        </p:nvSpPr>
-        <p:spPr>
-          <a:xfrm>
-            <a:off x="4854019" y="3042504"/>
-            <a:ext cx="1865330" cy="381000"/>
-          </a:xfrm>
-          <a:prstGeom prst="rect">
-            <a:avLst/>
-          </a:prstGeom>
-        </p:spPr>
-        <p:style>
-          <a:lnRef idx="2">
-            <a:schemeClr val="accent1">
-              <a:shade val="50000"/>
-            </a:schemeClr>
-          </a:lnRef>
-          <a:fillRef idx="1">
-            <a:schemeClr val="accent1"/>
-          </a:fillRef>
-          <a:effectRef idx="0">
-            <a:schemeClr val="accent1"/>
-          </a:effectRef>
-          <a:fontRef idx="minor">
-            <a:schemeClr val="lt1"/>
-          </a:fontRef>
-        </p:style>
-        <p:txBody>
-          <a:bodyPr rtlCol="0" anchor="ctr"/>
-          <a:lstStyle/>
-          <a:p>
-            <a:pPr algn="ctr"/>
-            <a:r>
-              <a:rPr lang="en-US" dirty="0" smtClean="0"/>
-              <a:t>Archive</a:t>
-            </a:r>
-            <a:endParaRPr lang="en-US" dirty="0"/>
-          </a:p>
-        </p:txBody>
-      </p:sp>
-      <p:sp>
-        <p:nvSpPr>
-          <p:cNvPr id="11" name="Rectangle 10"/>
-          <p:cNvSpPr/>
-          <p:nvPr/>
-        </p:nvSpPr>
-        <p:spPr>
-          <a:xfrm>
-            <a:off x="4784301" y="4419600"/>
-            <a:ext cx="1865330" cy="381000"/>
-          </a:xfrm>
-          <a:prstGeom prst="rect">
-            <a:avLst/>
-          </a:prstGeom>
-        </p:spPr>
-        <p:style>
-          <a:lnRef idx="2">
-            <a:schemeClr val="accent1">
-              <a:shade val="50000"/>
-            </a:schemeClr>
-          </a:lnRef>
-          <a:fillRef idx="1">
-            <a:schemeClr val="accent1"/>
-          </a:fillRef>
-          <a:effectRef idx="0">
-            <a:schemeClr val="accent1"/>
-          </a:effectRef>
-          <a:fontRef idx="minor">
-            <a:schemeClr val="lt1"/>
-          </a:fontRef>
-        </p:style>
-        <p:txBody>
-          <a:bodyPr rtlCol="0" anchor="ctr"/>
-          <a:lstStyle/>
-          <a:p>
-            <a:pPr algn="ctr"/>
-            <a:r>
-              <a:rPr lang="en-US" dirty="0" smtClean="0"/>
-              <a:t>Archive</a:t>
-            </a:r>
-            <a:endParaRPr lang="en-US" dirty="0"/>
-          </a:p>
-        </p:txBody>
-      </p:sp>
-      <p:sp>
-        <p:nvSpPr>
-          <p:cNvPr id="12" name="Rectangle 11"/>
-          <p:cNvSpPr/>
-          <p:nvPr/>
-        </p:nvSpPr>
-        <p:spPr>
-          <a:xfrm>
-            <a:off x="4799815" y="5960685"/>
-            <a:ext cx="1865330" cy="381000"/>
-          </a:xfrm>
-          <a:prstGeom prst="rect">
-            <a:avLst/>
-          </a:prstGeom>
-        </p:spPr>
-        <p:style>
-          <a:lnRef idx="2">
-            <a:schemeClr val="accent1">
-              <a:shade val="50000"/>
-            </a:schemeClr>
-          </a:lnRef>
-          <a:fillRef idx="1">
-            <a:schemeClr val="accent1"/>
-          </a:fillRef>
-          <a:effectRef idx="0">
-            <a:schemeClr val="accent1"/>
-          </a:effectRef>
-          <a:fontRef idx="minor">
-            <a:schemeClr val="lt1"/>
-          </a:fontRef>
-        </p:style>
-        <p:txBody>
-          <a:bodyPr rtlCol="0" anchor="ctr"/>
-          <a:lstStyle/>
-          <a:p>
-            <a:pPr algn="ctr"/>
-            <a:r>
-              <a:rPr lang="en-US" dirty="0" smtClean="0"/>
-              <a:t>Archive</a:t>
-            </a:r>
-            <a:endParaRPr lang="en-US" dirty="0"/>
+          <a:noFill/>
+        </p:spPr>
+        <p:txBody>
+          <a:bodyPr wrap="none" rtlCol="0">
+            <a:spAutoFit/>
+          </a:bodyPr>
+          <a:lstStyle/>
+          <a:p>
+            <a:r>
+              <a:rPr lang="en-US" sz="2800" dirty="0" smtClean="0"/>
+              <a:t>Appointment List</a:t>
+            </a:r>
+            <a:endParaRPr lang="en-US" sz="2800" dirty="0"/>
           </a:p>
         </p:txBody>
       </p:sp>
       <p:cxnSp>
         <p:nvCxnSpPr>
-          <p:cNvPr id="14" name="Elbow Connector 13"/>
+          <p:cNvPr id="11" name="Straight Arrow Connector 10"/>
           <p:cNvCxnSpPr>
-            <a:stCxn id="3" idx="2"/>
-            <a:endCxn id="4" idx="1"/>
+            <a:stCxn id="2" idx="2"/>
+            <a:endCxn id="6" idx="0"/>
           </p:cNvCxnSpPr>
           <p:nvPr/>
         </p:nvCxnSpPr>
         <p:spPr>
-          <a:xfrm rot="16200000" flipH="1">
-            <a:off x="1417802" y="429262"/>
-            <a:ext cx="817381" cy="1178055"/>
-          </a:xfrm>
-          <a:prstGeom prst="bentConnector2">
-            <a:avLst/>
-          </a:prstGeom>
-        </p:spPr>
-        <p:style>
-          <a:lnRef idx="1">
-            <a:schemeClr val="accent1"/>
-          </a:lnRef>
-          <a:fillRef idx="0">
-            <a:schemeClr val="accent1"/>
-          </a:fillRef>
-          <a:effectRef idx="0">
-            <a:schemeClr val="accent1"/>
-          </a:effectRef>
-          <a:fontRef idx="minor">
-            <a:schemeClr val="tx1"/>
-          </a:fontRef>
-        </p:style>
-      </p:cxnSp>
-      <p:cxnSp>
-        <p:nvCxnSpPr>
-          <p:cNvPr id="20" name="Elbow Connector 19"/>
-          <p:cNvCxnSpPr>
-            <a:stCxn id="3" idx="2"/>
-            <a:endCxn id="5" idx="1"/>
-          </p:cNvCxnSpPr>
-          <p:nvPr/>
-        </p:nvCxnSpPr>
-        <p:spPr>
-          <a:xfrm rot="16200000" flipH="1">
-            <a:off x="753063" y="1094002"/>
-            <a:ext cx="2242404" cy="1273600"/>
-          </a:xfrm>
-          <a:prstGeom prst="bentConnector2">
-            <a:avLst/>
-          </a:prstGeom>
-        </p:spPr>
-        <p:style>
-          <a:lnRef idx="1">
-            <a:schemeClr val="accent1"/>
-          </a:lnRef>
-          <a:fillRef idx="0">
-            <a:schemeClr val="accent1"/>
-          </a:fillRef>
-          <a:effectRef idx="0">
-            <a:schemeClr val="accent1"/>
-          </a:effectRef>
-          <a:fontRef idx="minor">
-            <a:schemeClr val="tx1"/>
-          </a:fontRef>
-        </p:style>
-      </p:cxnSp>
-      <p:cxnSp>
-        <p:nvCxnSpPr>
-          <p:cNvPr id="24" name="Elbow Connector 23"/>
-          <p:cNvCxnSpPr>
-            <a:stCxn id="3" idx="2"/>
-            <a:endCxn id="6" idx="1"/>
-          </p:cNvCxnSpPr>
-          <p:nvPr/>
-        </p:nvCxnSpPr>
-        <p:spPr>
-          <a:xfrm rot="16200000" flipH="1">
-            <a:off x="95643" y="1751421"/>
-            <a:ext cx="3555085" cy="1271441"/>
-          </a:xfrm>
-          <a:prstGeom prst="bentConnector2">
-            <a:avLst/>
-          </a:prstGeom>
-        </p:spPr>
-        <p:style>
-          <a:lnRef idx="1">
-            <a:schemeClr val="accent1"/>
-          </a:lnRef>
-          <a:fillRef idx="0">
-            <a:schemeClr val="accent1"/>
-          </a:fillRef>
-          <a:effectRef idx="0">
-            <a:schemeClr val="accent1"/>
-          </a:effectRef>
-          <a:fontRef idx="minor">
-            <a:schemeClr val="tx1"/>
-          </a:fontRef>
-        </p:style>
-      </p:cxnSp>
-      <p:cxnSp>
-        <p:nvCxnSpPr>
-          <p:cNvPr id="26" name="Elbow Connector 25"/>
-          <p:cNvCxnSpPr>
-            <a:stCxn id="3" idx="2"/>
-            <a:endCxn id="7" idx="1"/>
-          </p:cNvCxnSpPr>
-          <p:nvPr/>
-        </p:nvCxnSpPr>
-        <p:spPr>
-          <a:xfrm rot="16200000" flipH="1">
-            <a:off x="-583186" y="2430250"/>
-            <a:ext cx="4914900" cy="1273599"/>
-          </a:xfrm>
-          <a:prstGeom prst="bentConnector2">
-            <a:avLst/>
-          </a:prstGeom>
-        </p:spPr>
-        <p:style>
-          <a:lnRef idx="1">
-            <a:schemeClr val="accent1"/>
-          </a:lnRef>
-          <a:fillRef idx="0">
-            <a:schemeClr val="accent1"/>
-          </a:fillRef>
-          <a:effectRef idx="0">
-            <a:schemeClr val="accent1"/>
-          </a:effectRef>
-          <a:fontRef idx="minor">
-            <a:schemeClr val="tx1"/>
-          </a:fontRef>
-        </p:style>
-      </p:cxnSp>
-      <p:cxnSp>
-        <p:nvCxnSpPr>
-          <p:cNvPr id="31" name="Elbow Connector 30"/>
-          <p:cNvCxnSpPr>
-            <a:stCxn id="4" idx="2"/>
-            <a:endCxn id="8" idx="1"/>
-          </p:cNvCxnSpPr>
-          <p:nvPr/>
-        </p:nvCxnSpPr>
-        <p:spPr>
-          <a:xfrm rot="16200000" flipH="1">
-            <a:off x="3878443" y="1087222"/>
-            <a:ext cx="355664" cy="1416181"/>
-          </a:xfrm>
-          <a:prstGeom prst="bentConnector2">
-            <a:avLst/>
-          </a:prstGeom>
-        </p:spPr>
-        <p:style>
-          <a:lnRef idx="1">
-            <a:schemeClr val="accent1"/>
-          </a:lnRef>
-          <a:fillRef idx="0">
-            <a:schemeClr val="accent1"/>
-          </a:fillRef>
-          <a:effectRef idx="0">
-            <a:schemeClr val="accent1"/>
-          </a:effectRef>
-          <a:fontRef idx="minor">
-            <a:schemeClr val="tx1"/>
-          </a:fontRef>
-        </p:style>
-      </p:cxnSp>
-      <p:cxnSp>
-        <p:nvCxnSpPr>
-          <p:cNvPr id="33" name="Elbow Connector 32"/>
-          <p:cNvCxnSpPr>
-            <a:stCxn id="5" idx="2"/>
-            <a:endCxn id="10" idx="1"/>
-          </p:cNvCxnSpPr>
-          <p:nvPr/>
-        </p:nvCxnSpPr>
-        <p:spPr>
-          <a:xfrm rot="16200000" flipH="1">
-            <a:off x="4053624" y="2432609"/>
-            <a:ext cx="190500" cy="1410289"/>
-          </a:xfrm>
-          <a:prstGeom prst="bentConnector2">
-            <a:avLst/>
-          </a:prstGeom>
-        </p:spPr>
-        <p:style>
-          <a:lnRef idx="1">
-            <a:schemeClr val="accent1"/>
-          </a:lnRef>
-          <a:fillRef idx="0">
-            <a:schemeClr val="accent1"/>
-          </a:fillRef>
-          <a:effectRef idx="0">
-            <a:schemeClr val="accent1"/>
-          </a:effectRef>
-          <a:fontRef idx="minor">
-            <a:schemeClr val="tx1"/>
-          </a:fontRef>
-        </p:style>
-      </p:cxnSp>
-      <p:cxnSp>
-        <p:nvCxnSpPr>
-          <p:cNvPr id="35" name="Elbow Connector 34"/>
-          <p:cNvCxnSpPr>
-            <a:stCxn id="6" idx="2"/>
-            <a:endCxn id="11" idx="1"/>
-          </p:cNvCxnSpPr>
-          <p:nvPr/>
-        </p:nvCxnSpPr>
-        <p:spPr>
-          <a:xfrm rot="16200000" flipH="1">
-            <a:off x="3985479" y="3811277"/>
-            <a:ext cx="254915" cy="1342730"/>
-          </a:xfrm>
-          <a:prstGeom prst="bentConnector2">
-            <a:avLst/>
-          </a:prstGeom>
-        </p:spPr>
-        <p:style>
-          <a:lnRef idx="1">
-            <a:schemeClr val="accent1"/>
-          </a:lnRef>
-          <a:fillRef idx="0">
-            <a:schemeClr val="accent1"/>
-          </a:fillRef>
-          <a:effectRef idx="0">
-            <a:schemeClr val="accent1"/>
-          </a:effectRef>
-          <a:fontRef idx="minor">
-            <a:schemeClr val="tx1"/>
-          </a:fontRef>
-        </p:style>
-      </p:cxnSp>
-      <p:cxnSp>
-        <p:nvCxnSpPr>
-          <p:cNvPr id="37" name="Elbow Connector 36"/>
-          <p:cNvCxnSpPr>
-            <a:stCxn id="7" idx="2"/>
-            <a:endCxn id="12" idx="1"/>
-          </p:cNvCxnSpPr>
-          <p:nvPr/>
-        </p:nvCxnSpPr>
-        <p:spPr>
-          <a:xfrm rot="16200000" flipH="1">
-            <a:off x="3903680" y="5255049"/>
-            <a:ext cx="436185" cy="1356086"/>
-          </a:xfrm>
-          <a:prstGeom prst="bentConnector2">
-            <a:avLst/>
-          </a:prstGeom>
+          <a:xfrm>
+            <a:off x="4367141" y="2971800"/>
+            <a:ext cx="0" cy="1790700"/>
+          </a:xfrm>
+          <a:prstGeom prst="straightConnector1">
+            <a:avLst/>
+          </a:prstGeom>
+          <a:ln w="34925">
+            <a:tailEnd type="arrow"/>
+          </a:ln>
         </p:spPr>
         <p:style>
           <a:lnRef idx="1">
@@ -5236,7 +3618,7 @@
     </p:spTree>
     <p:extLst>
       <p:ext uri="{BB962C8B-B14F-4D97-AF65-F5344CB8AC3E}">
-        <p14:creationId xmlns:p14="http://schemas.microsoft.com/office/powerpoint/2010/main" val="4038522138"/>
+        <p14:creationId xmlns:p14="http://schemas.microsoft.com/office/powerpoint/2010/main" val="1783120156"/>
       </p:ext>
     </p:extLst>
   </p:cSld>
@@ -5270,10 +3652,2887 @@
           <a:chExt cx="0" cy="0"/>
         </a:xfrm>
       </p:grpSpPr>
+      <p:sp>
+        <p:nvSpPr>
+          <p:cNvPr id="2" name="Rectangle 1"/>
+          <p:cNvSpPr/>
+          <p:nvPr/>
+        </p:nvSpPr>
+        <p:spPr>
+          <a:xfrm>
+            <a:off x="685800" y="2943225"/>
+            <a:ext cx="1143000" cy="685800"/>
+          </a:xfrm>
+          <a:prstGeom prst="rect">
+            <a:avLst/>
+          </a:prstGeom>
+        </p:spPr>
+        <p:style>
+          <a:lnRef idx="2">
+            <a:schemeClr val="accent1">
+              <a:shade val="50000"/>
+            </a:schemeClr>
+          </a:lnRef>
+          <a:fillRef idx="1">
+            <a:schemeClr val="accent1"/>
+          </a:fillRef>
+          <a:effectRef idx="0">
+            <a:schemeClr val="accent1"/>
+          </a:effectRef>
+          <a:fontRef idx="minor">
+            <a:schemeClr val="lt1"/>
+          </a:fontRef>
+        </p:style>
+        <p:txBody>
+          <a:bodyPr rtlCol="0" anchor="ctr"/>
+          <a:lstStyle/>
+          <a:p>
+            <a:pPr algn="ctr"/>
+            <a:r>
+              <a:rPr lang="en-US" dirty="0" smtClean="0"/>
+              <a:t>Script</a:t>
+            </a:r>
+            <a:endParaRPr lang="en-US" dirty="0"/>
+          </a:p>
+        </p:txBody>
+      </p:sp>
+      <p:cxnSp>
+        <p:nvCxnSpPr>
+          <p:cNvPr id="4" name="Straight Arrow Connector 3"/>
+          <p:cNvCxnSpPr>
+            <a:stCxn id="6" idx="2"/>
+            <a:endCxn id="2" idx="0"/>
+          </p:cNvCxnSpPr>
+          <p:nvPr/>
+        </p:nvCxnSpPr>
+        <p:spPr>
+          <a:xfrm>
+            <a:off x="1257300" y="2028825"/>
+            <a:ext cx="0" cy="914400"/>
+          </a:xfrm>
+          <a:prstGeom prst="straightConnector1">
+            <a:avLst/>
+          </a:prstGeom>
+          <a:ln w="34925">
+            <a:tailEnd type="arrow"/>
+          </a:ln>
+        </p:spPr>
+        <p:style>
+          <a:lnRef idx="1">
+            <a:schemeClr val="accent1"/>
+          </a:lnRef>
+          <a:fillRef idx="0">
+            <a:schemeClr val="accent1"/>
+          </a:fillRef>
+          <a:effectRef idx="0">
+            <a:schemeClr val="accent1"/>
+          </a:effectRef>
+          <a:fontRef idx="minor">
+            <a:schemeClr val="tx1"/>
+          </a:fontRef>
+        </p:style>
+      </p:cxnSp>
+      <p:sp>
+        <p:nvSpPr>
+          <p:cNvPr id="6" name="Rectangle 5"/>
+          <p:cNvSpPr/>
+          <p:nvPr/>
+        </p:nvSpPr>
+        <p:spPr>
+          <a:xfrm>
+            <a:off x="304800" y="1343025"/>
+            <a:ext cx="1905000" cy="685800"/>
+          </a:xfrm>
+          <a:prstGeom prst="rect">
+            <a:avLst/>
+          </a:prstGeom>
+        </p:spPr>
+        <p:style>
+          <a:lnRef idx="2">
+            <a:schemeClr val="accent1">
+              <a:shade val="50000"/>
+            </a:schemeClr>
+          </a:lnRef>
+          <a:fillRef idx="1">
+            <a:schemeClr val="accent1"/>
+          </a:fillRef>
+          <a:effectRef idx="0">
+            <a:schemeClr val="accent1"/>
+          </a:effectRef>
+          <a:fontRef idx="minor">
+            <a:schemeClr val="lt1"/>
+          </a:fontRef>
+        </p:style>
+        <p:txBody>
+          <a:bodyPr rtlCol="0" anchor="ctr"/>
+          <a:lstStyle/>
+          <a:p>
+            <a:pPr algn="ctr"/>
+            <a:r>
+              <a:rPr lang="en-US" dirty="0" smtClean="0"/>
+              <a:t>Appointment List</a:t>
+            </a:r>
+            <a:endParaRPr lang="en-US" dirty="0"/>
+          </a:p>
+        </p:txBody>
+      </p:sp>
+      <p:sp>
+        <p:nvSpPr>
+          <p:cNvPr id="7" name="Rectangle 6"/>
+          <p:cNvSpPr/>
+          <p:nvPr/>
+        </p:nvSpPr>
+        <p:spPr>
+          <a:xfrm>
+            <a:off x="6168730" y="5143500"/>
+            <a:ext cx="2362200" cy="685800"/>
+          </a:xfrm>
+          <a:prstGeom prst="rect">
+            <a:avLst/>
+          </a:prstGeom>
+        </p:spPr>
+        <p:style>
+          <a:lnRef idx="2">
+            <a:schemeClr val="accent1">
+              <a:shade val="50000"/>
+            </a:schemeClr>
+          </a:lnRef>
+          <a:fillRef idx="1">
+            <a:schemeClr val="accent1"/>
+          </a:fillRef>
+          <a:effectRef idx="0">
+            <a:schemeClr val="accent1"/>
+          </a:effectRef>
+          <a:fontRef idx="minor">
+            <a:schemeClr val="lt1"/>
+          </a:fontRef>
+        </p:style>
+        <p:txBody>
+          <a:bodyPr rtlCol="0" anchor="ctr"/>
+          <a:lstStyle/>
+          <a:p>
+            <a:pPr algn="ctr"/>
+            <a:r>
+              <a:rPr lang="en-US" dirty="0" smtClean="0"/>
+              <a:t>EDI 271</a:t>
+            </a:r>
+          </a:p>
+          <a:p>
+            <a:pPr algn="ctr"/>
+            <a:r>
+              <a:rPr lang="en-US" dirty="0" smtClean="0"/>
+              <a:t>Eligibility Response</a:t>
+            </a:r>
+            <a:endParaRPr lang="en-US" dirty="0"/>
+          </a:p>
+        </p:txBody>
+      </p:sp>
+      <p:sp>
+        <p:nvSpPr>
+          <p:cNvPr id="8" name="TextBox 7"/>
+          <p:cNvSpPr txBox="1"/>
+          <p:nvPr/>
+        </p:nvSpPr>
+        <p:spPr>
+          <a:xfrm>
+            <a:off x="2978787" y="228600"/>
+            <a:ext cx="2776850" cy="523220"/>
+          </a:xfrm>
+          <a:prstGeom prst="rect">
+            <a:avLst/>
+          </a:prstGeom>
+          <a:noFill/>
+        </p:spPr>
+        <p:txBody>
+          <a:bodyPr wrap="none" rtlCol="0">
+            <a:spAutoFit/>
+          </a:bodyPr>
+          <a:lstStyle/>
+          <a:p>
+            <a:r>
+              <a:rPr lang="en-US" sz="2800" dirty="0" smtClean="0"/>
+              <a:t>EDI 271 Response</a:t>
+            </a:r>
+            <a:endParaRPr lang="en-US" sz="2800" dirty="0"/>
+          </a:p>
+        </p:txBody>
+      </p:sp>
+      <p:cxnSp>
+        <p:nvCxnSpPr>
+          <p:cNvPr id="11" name="Straight Arrow Connector 10"/>
+          <p:cNvCxnSpPr>
+            <a:stCxn id="15" idx="3"/>
+            <a:endCxn id="13" idx="1"/>
+          </p:cNvCxnSpPr>
+          <p:nvPr/>
+        </p:nvCxnSpPr>
+        <p:spPr>
+          <a:xfrm>
+            <a:off x="5450885" y="3314700"/>
+            <a:ext cx="1254715" cy="0"/>
+          </a:xfrm>
+          <a:prstGeom prst="straightConnector1">
+            <a:avLst/>
+          </a:prstGeom>
+          <a:ln w="34925">
+            <a:tailEnd type="arrow"/>
+          </a:ln>
+        </p:spPr>
+        <p:style>
+          <a:lnRef idx="1">
+            <a:schemeClr val="accent1"/>
+          </a:lnRef>
+          <a:fillRef idx="0">
+            <a:schemeClr val="accent1"/>
+          </a:fillRef>
+          <a:effectRef idx="0">
+            <a:schemeClr val="accent1"/>
+          </a:effectRef>
+          <a:fontRef idx="minor">
+            <a:schemeClr val="tx1"/>
+          </a:fontRef>
+        </p:style>
+      </p:cxnSp>
+      <p:cxnSp>
+        <p:nvCxnSpPr>
+          <p:cNvPr id="12" name="Straight Arrow Connector 11"/>
+          <p:cNvCxnSpPr>
+            <a:stCxn id="2" idx="3"/>
+            <a:endCxn id="15" idx="1"/>
+          </p:cNvCxnSpPr>
+          <p:nvPr/>
+        </p:nvCxnSpPr>
+        <p:spPr>
+          <a:xfrm>
+            <a:off x="1828800" y="3286125"/>
+            <a:ext cx="1259885" cy="28575"/>
+          </a:xfrm>
+          <a:prstGeom prst="straightConnector1">
+            <a:avLst/>
+          </a:prstGeom>
+          <a:ln w="34925">
+            <a:tailEnd type="arrow"/>
+          </a:ln>
+        </p:spPr>
+        <p:style>
+          <a:lnRef idx="1">
+            <a:schemeClr val="accent1"/>
+          </a:lnRef>
+          <a:fillRef idx="0">
+            <a:schemeClr val="accent1"/>
+          </a:fillRef>
+          <a:effectRef idx="0">
+            <a:schemeClr val="accent1"/>
+          </a:effectRef>
+          <a:fontRef idx="minor">
+            <a:schemeClr val="tx1"/>
+          </a:fontRef>
+        </p:style>
+      </p:cxnSp>
+      <p:sp>
+        <p:nvSpPr>
+          <p:cNvPr id="13" name="Rectangle 12"/>
+          <p:cNvSpPr/>
+          <p:nvPr/>
+        </p:nvSpPr>
+        <p:spPr>
+          <a:xfrm>
+            <a:off x="6705600" y="2971800"/>
+            <a:ext cx="1143000" cy="685800"/>
+          </a:xfrm>
+          <a:prstGeom prst="rect">
+            <a:avLst/>
+          </a:prstGeom>
+        </p:spPr>
+        <p:style>
+          <a:lnRef idx="2">
+            <a:schemeClr val="accent1">
+              <a:shade val="50000"/>
+            </a:schemeClr>
+          </a:lnRef>
+          <a:fillRef idx="1">
+            <a:schemeClr val="accent1"/>
+          </a:fillRef>
+          <a:effectRef idx="0">
+            <a:schemeClr val="accent1"/>
+          </a:effectRef>
+          <a:fontRef idx="minor">
+            <a:schemeClr val="lt1"/>
+          </a:fontRef>
+        </p:style>
+        <p:txBody>
+          <a:bodyPr rtlCol="0" anchor="ctr"/>
+          <a:lstStyle/>
+          <a:p>
+            <a:pPr algn="ctr"/>
+            <a:r>
+              <a:rPr lang="en-US" dirty="0" smtClean="0"/>
+              <a:t>EmedNY</a:t>
+            </a:r>
+            <a:endParaRPr lang="en-US" dirty="0"/>
+          </a:p>
+        </p:txBody>
+      </p:sp>
+      <p:sp>
+        <p:nvSpPr>
+          <p:cNvPr id="15" name="Rectangle 14"/>
+          <p:cNvSpPr/>
+          <p:nvPr/>
+        </p:nvSpPr>
+        <p:spPr>
+          <a:xfrm>
+            <a:off x="3088685" y="2971800"/>
+            <a:ext cx="2362200" cy="685800"/>
+          </a:xfrm>
+          <a:prstGeom prst="rect">
+            <a:avLst/>
+          </a:prstGeom>
+        </p:spPr>
+        <p:style>
+          <a:lnRef idx="2">
+            <a:schemeClr val="accent1">
+              <a:shade val="50000"/>
+            </a:schemeClr>
+          </a:lnRef>
+          <a:fillRef idx="1">
+            <a:schemeClr val="accent1"/>
+          </a:fillRef>
+          <a:effectRef idx="0">
+            <a:schemeClr val="accent1"/>
+          </a:effectRef>
+          <a:fontRef idx="minor">
+            <a:schemeClr val="lt1"/>
+          </a:fontRef>
+        </p:style>
+        <p:txBody>
+          <a:bodyPr rtlCol="0" anchor="ctr"/>
+          <a:lstStyle/>
+          <a:p>
+            <a:pPr algn="ctr"/>
+            <a:r>
+              <a:rPr lang="en-US" dirty="0" smtClean="0"/>
+              <a:t>EDI 270</a:t>
+            </a:r>
+          </a:p>
+          <a:p>
+            <a:pPr algn="ctr"/>
+            <a:r>
+              <a:rPr lang="en-US" dirty="0" smtClean="0"/>
+              <a:t>Eligibility Request</a:t>
+            </a:r>
+            <a:endParaRPr lang="en-US" dirty="0"/>
+          </a:p>
+        </p:txBody>
+      </p:sp>
+      <p:cxnSp>
+        <p:nvCxnSpPr>
+          <p:cNvPr id="31" name="Straight Arrow Connector 30"/>
+          <p:cNvCxnSpPr>
+            <a:stCxn id="13" idx="2"/>
+            <a:endCxn id="7" idx="0"/>
+          </p:cNvCxnSpPr>
+          <p:nvPr/>
+        </p:nvCxnSpPr>
+        <p:spPr>
+          <a:xfrm>
+            <a:off x="7277100" y="3657600"/>
+            <a:ext cx="72730" cy="1485900"/>
+          </a:xfrm>
+          <a:prstGeom prst="straightConnector1">
+            <a:avLst/>
+          </a:prstGeom>
+          <a:ln w="34925">
+            <a:tailEnd type="arrow"/>
+          </a:ln>
+        </p:spPr>
+        <p:style>
+          <a:lnRef idx="1">
+            <a:schemeClr val="accent1"/>
+          </a:lnRef>
+          <a:fillRef idx="0">
+            <a:schemeClr val="accent1"/>
+          </a:fillRef>
+          <a:effectRef idx="0">
+            <a:schemeClr val="accent1"/>
+          </a:effectRef>
+          <a:fontRef idx="minor">
+            <a:schemeClr val="tx1"/>
+          </a:fontRef>
+        </p:style>
+      </p:cxnSp>
     </p:spTree>
     <p:extLst>
       <p:ext uri="{BB962C8B-B14F-4D97-AF65-F5344CB8AC3E}">
-        <p14:creationId xmlns:p14="http://schemas.microsoft.com/office/powerpoint/2010/main" val="1752557956"/>
+        <p14:creationId xmlns:p14="http://schemas.microsoft.com/office/powerpoint/2010/main" val="2688274424"/>
+      </p:ext>
+    </p:extLst>
+  </p:cSld>
+  <p:clrMapOvr>
+    <a:masterClrMapping/>
+  </p:clrMapOvr>
+  <p:timing>
+    <p:tnLst>
+      <p:par>
+        <p:cTn id="1" dur="indefinite" restart="never" nodeType="tmRoot"/>
+      </p:par>
+    </p:tnLst>
+  </p:timing>
+</p:sld>
+</file>
+
+<file path=ppt/slides/slide4.xml><?xml version="1.0" encoding="utf-8"?>
+<p:sld xmlns:a="http://schemas.openxmlformats.org/drawingml/2006/main" xmlns:r="http://schemas.openxmlformats.org/officeDocument/2006/relationships" xmlns:p="http://schemas.openxmlformats.org/presentationml/2006/main">
+  <p:cSld>
+    <p:spTree>
+      <p:nvGrpSpPr>
+        <p:cNvPr id="1" name=""/>
+        <p:cNvGrpSpPr/>
+        <p:nvPr/>
+      </p:nvGrpSpPr>
+      <p:grpSpPr>
+        <a:xfrm>
+          <a:off x="0" y="0"/>
+          <a:ext cx="0" cy="0"/>
+          <a:chOff x="0" y="0"/>
+          <a:chExt cx="0" cy="0"/>
+        </a:xfrm>
+      </p:grpSpPr>
+      <p:sp>
+        <p:nvSpPr>
+          <p:cNvPr id="4" name="Rectangle 3"/>
+          <p:cNvSpPr/>
+          <p:nvPr/>
+        </p:nvSpPr>
+        <p:spPr>
+          <a:xfrm>
+            <a:off x="549897" y="355273"/>
+            <a:ext cx="1143000" cy="685800"/>
+          </a:xfrm>
+          <a:prstGeom prst="rect">
+            <a:avLst/>
+          </a:prstGeom>
+        </p:spPr>
+        <p:style>
+          <a:lnRef idx="2">
+            <a:schemeClr val="accent1">
+              <a:shade val="50000"/>
+            </a:schemeClr>
+          </a:lnRef>
+          <a:fillRef idx="1">
+            <a:schemeClr val="accent1"/>
+          </a:fillRef>
+          <a:effectRef idx="0">
+            <a:schemeClr val="accent1"/>
+          </a:effectRef>
+          <a:fontRef idx="minor">
+            <a:schemeClr val="lt1"/>
+          </a:fontRef>
+        </p:style>
+        <p:txBody>
+          <a:bodyPr rtlCol="0" anchor="ctr"/>
+          <a:lstStyle/>
+          <a:p>
+            <a:pPr algn="ctr"/>
+            <a:r>
+              <a:rPr lang="en-US" dirty="0" smtClean="0"/>
+              <a:t>Axium</a:t>
+            </a:r>
+            <a:endParaRPr lang="en-US" dirty="0"/>
+          </a:p>
+        </p:txBody>
+      </p:sp>
+      <p:sp>
+        <p:nvSpPr>
+          <p:cNvPr id="5" name="Rectangle 4"/>
+          <p:cNvSpPr/>
+          <p:nvPr/>
+        </p:nvSpPr>
+        <p:spPr>
+          <a:xfrm>
+            <a:off x="7586024" y="1036753"/>
+            <a:ext cx="1143000" cy="685800"/>
+          </a:xfrm>
+          <a:prstGeom prst="rect">
+            <a:avLst/>
+          </a:prstGeom>
+        </p:spPr>
+        <p:style>
+          <a:lnRef idx="2">
+            <a:schemeClr val="accent1">
+              <a:shade val="50000"/>
+            </a:schemeClr>
+          </a:lnRef>
+          <a:fillRef idx="1">
+            <a:schemeClr val="accent1"/>
+          </a:fillRef>
+          <a:effectRef idx="0">
+            <a:schemeClr val="accent1"/>
+          </a:effectRef>
+          <a:fontRef idx="minor">
+            <a:schemeClr val="lt1"/>
+          </a:fontRef>
+        </p:style>
+        <p:txBody>
+          <a:bodyPr rtlCol="0" anchor="ctr"/>
+          <a:lstStyle/>
+          <a:p>
+            <a:pPr algn="ctr"/>
+            <a:r>
+              <a:rPr lang="en-US" dirty="0" err="1" smtClean="0"/>
+              <a:t>emedny</a:t>
+            </a:r>
+            <a:endParaRPr lang="en-US" dirty="0"/>
+          </a:p>
+        </p:txBody>
+      </p:sp>
+      <p:sp>
+        <p:nvSpPr>
+          <p:cNvPr id="6" name="Rectangle 5"/>
+          <p:cNvSpPr/>
+          <p:nvPr/>
+        </p:nvSpPr>
+        <p:spPr>
+          <a:xfrm>
+            <a:off x="514153" y="5707854"/>
+            <a:ext cx="1143000" cy="685800"/>
+          </a:xfrm>
+          <a:prstGeom prst="rect">
+            <a:avLst/>
+          </a:prstGeom>
+        </p:spPr>
+        <p:style>
+          <a:lnRef idx="2">
+            <a:schemeClr val="accent1">
+              <a:shade val="50000"/>
+            </a:schemeClr>
+          </a:lnRef>
+          <a:fillRef idx="1">
+            <a:schemeClr val="accent1"/>
+          </a:fillRef>
+          <a:effectRef idx="0">
+            <a:schemeClr val="accent1"/>
+          </a:effectRef>
+          <a:fontRef idx="minor">
+            <a:schemeClr val="lt1"/>
+          </a:fontRef>
+        </p:style>
+        <p:txBody>
+          <a:bodyPr rtlCol="0" anchor="ctr"/>
+          <a:lstStyle/>
+          <a:p>
+            <a:pPr algn="ctr"/>
+            <a:r>
+              <a:rPr lang="en-US" dirty="0" smtClean="0"/>
+              <a:t>Local</a:t>
+            </a:r>
+          </a:p>
+          <a:p>
+            <a:pPr algn="ctr"/>
+            <a:r>
+              <a:rPr lang="en-US" dirty="0" smtClean="0"/>
+              <a:t>Disk</a:t>
+            </a:r>
+            <a:endParaRPr lang="en-US" dirty="0"/>
+          </a:p>
+        </p:txBody>
+      </p:sp>
+      <p:sp>
+        <p:nvSpPr>
+          <p:cNvPr id="7" name="Rectangle 6"/>
+          <p:cNvSpPr/>
+          <p:nvPr/>
+        </p:nvSpPr>
+        <p:spPr>
+          <a:xfrm>
+            <a:off x="3274096" y="2768814"/>
+            <a:ext cx="1143000" cy="685800"/>
+          </a:xfrm>
+          <a:prstGeom prst="rect">
+            <a:avLst/>
+          </a:prstGeom>
+          <a:solidFill>
+            <a:srgbClr val="00B050"/>
+          </a:solidFill>
+        </p:spPr>
+        <p:style>
+          <a:lnRef idx="2">
+            <a:schemeClr val="accent1">
+              <a:shade val="50000"/>
+            </a:schemeClr>
+          </a:lnRef>
+          <a:fillRef idx="1">
+            <a:schemeClr val="accent1"/>
+          </a:fillRef>
+          <a:effectRef idx="0">
+            <a:schemeClr val="accent1"/>
+          </a:effectRef>
+          <a:fontRef idx="minor">
+            <a:schemeClr val="lt1"/>
+          </a:fontRef>
+        </p:style>
+        <p:txBody>
+          <a:bodyPr rtlCol="0" anchor="ctr"/>
+          <a:lstStyle/>
+          <a:p>
+            <a:pPr algn="ctr"/>
+            <a:r>
+              <a:rPr lang="en-US" dirty="0" smtClean="0"/>
+              <a:t>EDI 270</a:t>
+            </a:r>
+          </a:p>
+          <a:p>
+            <a:pPr algn="ctr"/>
+            <a:r>
+              <a:rPr lang="en-US" dirty="0" smtClean="0"/>
+              <a:t>request</a:t>
+            </a:r>
+            <a:endParaRPr lang="en-US" dirty="0"/>
+          </a:p>
+        </p:txBody>
+      </p:sp>
+      <p:sp>
+        <p:nvSpPr>
+          <p:cNvPr id="8" name="Rectangle 7"/>
+          <p:cNvSpPr/>
+          <p:nvPr/>
+        </p:nvSpPr>
+        <p:spPr>
+          <a:xfrm>
+            <a:off x="4838700" y="3469633"/>
+            <a:ext cx="1143000" cy="685800"/>
+          </a:xfrm>
+          <a:prstGeom prst="rect">
+            <a:avLst/>
+          </a:prstGeom>
+          <a:solidFill>
+            <a:srgbClr val="00B050"/>
+          </a:solidFill>
+        </p:spPr>
+        <p:style>
+          <a:lnRef idx="2">
+            <a:schemeClr val="accent1">
+              <a:shade val="50000"/>
+            </a:schemeClr>
+          </a:lnRef>
+          <a:fillRef idx="1">
+            <a:schemeClr val="accent1"/>
+          </a:fillRef>
+          <a:effectRef idx="0">
+            <a:schemeClr val="accent1"/>
+          </a:effectRef>
+          <a:fontRef idx="minor">
+            <a:schemeClr val="lt1"/>
+          </a:fontRef>
+        </p:style>
+        <p:txBody>
+          <a:bodyPr rtlCol="0" anchor="ctr"/>
+          <a:lstStyle/>
+          <a:p>
+            <a:pPr algn="ctr"/>
+            <a:r>
+              <a:rPr lang="en-US" dirty="0" smtClean="0"/>
+              <a:t>EDI 271</a:t>
+            </a:r>
+          </a:p>
+          <a:p>
+            <a:pPr algn="ctr"/>
+            <a:r>
+              <a:rPr lang="en-US" dirty="0" smtClean="0"/>
+              <a:t>response</a:t>
+            </a:r>
+            <a:endParaRPr lang="en-US" dirty="0"/>
+          </a:p>
+        </p:txBody>
+      </p:sp>
+      <p:sp>
+        <p:nvSpPr>
+          <p:cNvPr id="9" name="Rectangle 8"/>
+          <p:cNvSpPr/>
+          <p:nvPr/>
+        </p:nvSpPr>
+        <p:spPr>
+          <a:xfrm>
+            <a:off x="4816630" y="5635015"/>
+            <a:ext cx="1143000" cy="685800"/>
+          </a:xfrm>
+          <a:prstGeom prst="rect">
+            <a:avLst/>
+          </a:prstGeom>
+          <a:solidFill>
+            <a:srgbClr val="00B050"/>
+          </a:solidFill>
+        </p:spPr>
+        <p:style>
+          <a:lnRef idx="2">
+            <a:schemeClr val="accent1">
+              <a:shade val="50000"/>
+            </a:schemeClr>
+          </a:lnRef>
+          <a:fillRef idx="1">
+            <a:schemeClr val="accent1"/>
+          </a:fillRef>
+          <a:effectRef idx="0">
+            <a:schemeClr val="accent1"/>
+          </a:effectRef>
+          <a:fontRef idx="minor">
+            <a:schemeClr val="lt1"/>
+          </a:fontRef>
+        </p:style>
+        <p:txBody>
+          <a:bodyPr rtlCol="0" anchor="ctr"/>
+          <a:lstStyle/>
+          <a:p>
+            <a:pPr algn="ctr"/>
+            <a:r>
+              <a:rPr lang="en-US" dirty="0" smtClean="0"/>
+              <a:t>Final</a:t>
+            </a:r>
+          </a:p>
+          <a:p>
+            <a:pPr algn="ctr"/>
+            <a:r>
+              <a:rPr lang="en-US" dirty="0" smtClean="0"/>
+              <a:t>Report</a:t>
+            </a:r>
+            <a:endParaRPr lang="en-US" dirty="0"/>
+          </a:p>
+        </p:txBody>
+      </p:sp>
+      <p:sp>
+        <p:nvSpPr>
+          <p:cNvPr id="10" name="Rectangle 9"/>
+          <p:cNvSpPr/>
+          <p:nvPr/>
+        </p:nvSpPr>
+        <p:spPr>
+          <a:xfrm>
+            <a:off x="778497" y="2347861"/>
+            <a:ext cx="652806" cy="342900"/>
+          </a:xfrm>
+          <a:prstGeom prst="rect">
+            <a:avLst/>
+          </a:prstGeom>
+          <a:solidFill>
+            <a:srgbClr val="00B050"/>
+          </a:solidFill>
+        </p:spPr>
+        <p:style>
+          <a:lnRef idx="2">
+            <a:schemeClr val="accent1">
+              <a:shade val="50000"/>
+            </a:schemeClr>
+          </a:lnRef>
+          <a:fillRef idx="1">
+            <a:schemeClr val="accent1"/>
+          </a:fillRef>
+          <a:effectRef idx="0">
+            <a:schemeClr val="accent1"/>
+          </a:effectRef>
+          <a:fontRef idx="minor">
+            <a:schemeClr val="lt1"/>
+          </a:fontRef>
+        </p:style>
+        <p:txBody>
+          <a:bodyPr rtlCol="0" anchor="ctr"/>
+          <a:lstStyle/>
+          <a:p>
+            <a:pPr algn="ctr"/>
+            <a:r>
+              <a:rPr lang="en-US" dirty="0" smtClean="0"/>
+              <a:t>xls</a:t>
+            </a:r>
+            <a:endParaRPr lang="en-US" dirty="0"/>
+          </a:p>
+        </p:txBody>
+      </p:sp>
+      <p:sp>
+        <p:nvSpPr>
+          <p:cNvPr id="11" name="Rectangle 10"/>
+          <p:cNvSpPr/>
+          <p:nvPr/>
+        </p:nvSpPr>
+        <p:spPr>
+          <a:xfrm>
+            <a:off x="2209800" y="3164362"/>
+            <a:ext cx="652806" cy="342900"/>
+          </a:xfrm>
+          <a:prstGeom prst="rect">
+            <a:avLst/>
+          </a:prstGeom>
+          <a:solidFill>
+            <a:schemeClr val="bg1">
+              <a:lumMod val="65000"/>
+            </a:schemeClr>
+          </a:solidFill>
+        </p:spPr>
+        <p:style>
+          <a:lnRef idx="2">
+            <a:schemeClr val="accent1">
+              <a:shade val="50000"/>
+            </a:schemeClr>
+          </a:lnRef>
+          <a:fillRef idx="1">
+            <a:schemeClr val="accent1"/>
+          </a:fillRef>
+          <a:effectRef idx="0">
+            <a:schemeClr val="accent1"/>
+          </a:effectRef>
+          <a:fontRef idx="minor">
+            <a:schemeClr val="lt1"/>
+          </a:fontRef>
+        </p:style>
+        <p:txBody>
+          <a:bodyPr rtlCol="0" anchor="ctr"/>
+          <a:lstStyle/>
+          <a:p>
+            <a:pPr algn="ctr"/>
+            <a:r>
+              <a:rPr lang="en-US" dirty="0" smtClean="0"/>
+              <a:t>T1</a:t>
+            </a:r>
+            <a:endParaRPr lang="en-US" dirty="0"/>
+          </a:p>
+        </p:txBody>
+      </p:sp>
+      <p:cxnSp>
+        <p:nvCxnSpPr>
+          <p:cNvPr id="13" name="Straight Arrow Connector 12"/>
+          <p:cNvCxnSpPr>
+            <a:stCxn id="4" idx="2"/>
+            <a:endCxn id="97" idx="0"/>
+          </p:cNvCxnSpPr>
+          <p:nvPr/>
+        </p:nvCxnSpPr>
+        <p:spPr>
+          <a:xfrm>
+            <a:off x="1121397" y="1041073"/>
+            <a:ext cx="16497" cy="642297"/>
+          </a:xfrm>
+          <a:prstGeom prst="straightConnector1">
+            <a:avLst/>
+          </a:prstGeom>
+          <a:ln w="34925">
+            <a:tailEnd type="arrow"/>
+          </a:ln>
+        </p:spPr>
+        <p:style>
+          <a:lnRef idx="1">
+            <a:schemeClr val="accent1"/>
+          </a:lnRef>
+          <a:fillRef idx="0">
+            <a:schemeClr val="accent1"/>
+          </a:fillRef>
+          <a:effectRef idx="0">
+            <a:schemeClr val="accent1"/>
+          </a:effectRef>
+          <a:fontRef idx="minor">
+            <a:schemeClr val="tx1"/>
+          </a:fontRef>
+        </p:style>
+      </p:cxnSp>
+      <p:cxnSp>
+        <p:nvCxnSpPr>
+          <p:cNvPr id="16" name="Straight Arrow Connector 15"/>
+          <p:cNvCxnSpPr>
+            <a:stCxn id="10" idx="2"/>
+            <a:endCxn id="6" idx="0"/>
+          </p:cNvCxnSpPr>
+          <p:nvPr/>
+        </p:nvCxnSpPr>
+        <p:spPr>
+          <a:xfrm flipH="1">
+            <a:off x="1085653" y="2690761"/>
+            <a:ext cx="19247" cy="3017093"/>
+          </a:xfrm>
+          <a:prstGeom prst="straightConnector1">
+            <a:avLst/>
+          </a:prstGeom>
+          <a:ln w="34925">
+            <a:tailEnd type="arrow"/>
+          </a:ln>
+        </p:spPr>
+        <p:style>
+          <a:lnRef idx="1">
+            <a:schemeClr val="accent1"/>
+          </a:lnRef>
+          <a:fillRef idx="0">
+            <a:schemeClr val="accent1"/>
+          </a:fillRef>
+          <a:effectRef idx="0">
+            <a:schemeClr val="accent1"/>
+          </a:effectRef>
+          <a:fontRef idx="minor">
+            <a:schemeClr val="tx1"/>
+          </a:fontRef>
+        </p:style>
+      </p:cxnSp>
+      <p:cxnSp>
+        <p:nvCxnSpPr>
+          <p:cNvPr id="25" name="Straight Arrow Connector 24"/>
+          <p:cNvCxnSpPr>
+            <a:stCxn id="46" idx="3"/>
+            <a:endCxn id="11" idx="1"/>
+          </p:cNvCxnSpPr>
+          <p:nvPr/>
+        </p:nvCxnSpPr>
+        <p:spPr>
+          <a:xfrm flipV="1">
+            <a:off x="1431303" y="3335812"/>
+            <a:ext cx="778497" cy="1136918"/>
+          </a:xfrm>
+          <a:prstGeom prst="straightConnector1">
+            <a:avLst/>
+          </a:prstGeom>
+          <a:ln w="34925">
+            <a:tailEnd type="arrow"/>
+          </a:ln>
+        </p:spPr>
+        <p:style>
+          <a:lnRef idx="1">
+            <a:schemeClr val="accent1"/>
+          </a:lnRef>
+          <a:fillRef idx="0">
+            <a:schemeClr val="accent1"/>
+          </a:fillRef>
+          <a:effectRef idx="0">
+            <a:schemeClr val="accent1"/>
+          </a:effectRef>
+          <a:fontRef idx="minor">
+            <a:schemeClr val="tx1"/>
+          </a:fontRef>
+        </p:style>
+      </p:cxnSp>
+      <p:cxnSp>
+        <p:nvCxnSpPr>
+          <p:cNvPr id="29" name="Straight Arrow Connector 28"/>
+          <p:cNvCxnSpPr>
+            <a:stCxn id="11" idx="3"/>
+            <a:endCxn id="7" idx="1"/>
+          </p:cNvCxnSpPr>
+          <p:nvPr/>
+        </p:nvCxnSpPr>
+        <p:spPr>
+          <a:xfrm flipV="1">
+            <a:off x="2862606" y="3111714"/>
+            <a:ext cx="411490" cy="224098"/>
+          </a:xfrm>
+          <a:prstGeom prst="straightConnector1">
+            <a:avLst/>
+          </a:prstGeom>
+          <a:ln w="34925">
+            <a:tailEnd type="arrow"/>
+          </a:ln>
+        </p:spPr>
+        <p:style>
+          <a:lnRef idx="1">
+            <a:schemeClr val="accent1"/>
+          </a:lnRef>
+          <a:fillRef idx="0">
+            <a:schemeClr val="accent1"/>
+          </a:fillRef>
+          <a:effectRef idx="0">
+            <a:schemeClr val="accent1"/>
+          </a:effectRef>
+          <a:fontRef idx="minor">
+            <a:schemeClr val="tx1"/>
+          </a:fontRef>
+        </p:style>
+      </p:cxnSp>
+      <p:cxnSp>
+        <p:nvCxnSpPr>
+          <p:cNvPr id="35" name="Straight Arrow Connector 34"/>
+          <p:cNvCxnSpPr>
+            <a:stCxn id="7" idx="2"/>
+            <a:endCxn id="6" idx="3"/>
+          </p:cNvCxnSpPr>
+          <p:nvPr/>
+        </p:nvCxnSpPr>
+        <p:spPr>
+          <a:xfrm flipH="1">
+            <a:off x="1657153" y="3454614"/>
+            <a:ext cx="2188443" cy="2596140"/>
+          </a:xfrm>
+          <a:prstGeom prst="straightConnector1">
+            <a:avLst/>
+          </a:prstGeom>
+          <a:ln w="34925">
+            <a:tailEnd type="arrow"/>
+          </a:ln>
+        </p:spPr>
+        <p:style>
+          <a:lnRef idx="1">
+            <a:schemeClr val="accent1"/>
+          </a:lnRef>
+          <a:fillRef idx="0">
+            <a:schemeClr val="accent1"/>
+          </a:fillRef>
+          <a:effectRef idx="0">
+            <a:schemeClr val="accent1"/>
+          </a:effectRef>
+          <a:fontRef idx="minor">
+            <a:schemeClr val="tx1"/>
+          </a:fontRef>
+        </p:style>
+      </p:cxnSp>
+      <p:sp>
+        <p:nvSpPr>
+          <p:cNvPr id="40" name="Rectangle 39"/>
+          <p:cNvSpPr/>
+          <p:nvPr/>
+        </p:nvSpPr>
+        <p:spPr>
+          <a:xfrm>
+            <a:off x="5560244" y="2004961"/>
+            <a:ext cx="652806" cy="342900"/>
+          </a:xfrm>
+          <a:prstGeom prst="rect">
+            <a:avLst/>
+          </a:prstGeom>
+          <a:solidFill>
+            <a:schemeClr val="accent6">
+              <a:lumMod val="75000"/>
+            </a:schemeClr>
+          </a:solidFill>
+        </p:spPr>
+        <p:style>
+          <a:lnRef idx="2">
+            <a:schemeClr val="accent1">
+              <a:shade val="50000"/>
+            </a:schemeClr>
+          </a:lnRef>
+          <a:fillRef idx="1">
+            <a:schemeClr val="accent1"/>
+          </a:fillRef>
+          <a:effectRef idx="0">
+            <a:schemeClr val="accent1"/>
+          </a:effectRef>
+          <a:fontRef idx="minor">
+            <a:schemeClr val="lt1"/>
+          </a:fontRef>
+        </p:style>
+        <p:txBody>
+          <a:bodyPr rtlCol="0" anchor="ctr"/>
+          <a:lstStyle/>
+          <a:p>
+            <a:pPr algn="ctr"/>
+            <a:r>
+              <a:rPr lang="en-US" dirty="0" smtClean="0"/>
+              <a:t>M</a:t>
+            </a:r>
+            <a:r>
+              <a:rPr lang="en-US" dirty="0"/>
+              <a:t>2</a:t>
+            </a:r>
+          </a:p>
+        </p:txBody>
+      </p:sp>
+      <p:cxnSp>
+        <p:nvCxnSpPr>
+          <p:cNvPr id="41" name="Straight Arrow Connector 40"/>
+          <p:cNvCxnSpPr>
+            <a:stCxn id="7" idx="3"/>
+            <a:endCxn id="40" idx="1"/>
+          </p:cNvCxnSpPr>
+          <p:nvPr/>
+        </p:nvCxnSpPr>
+        <p:spPr>
+          <a:xfrm flipV="1">
+            <a:off x="4417096" y="2176411"/>
+            <a:ext cx="1143148" cy="935303"/>
+          </a:xfrm>
+          <a:prstGeom prst="straightConnector1">
+            <a:avLst/>
+          </a:prstGeom>
+          <a:ln w="34925">
+            <a:tailEnd type="arrow"/>
+          </a:ln>
+        </p:spPr>
+        <p:style>
+          <a:lnRef idx="1">
+            <a:schemeClr val="accent1"/>
+          </a:lnRef>
+          <a:fillRef idx="0">
+            <a:schemeClr val="accent1"/>
+          </a:fillRef>
+          <a:effectRef idx="0">
+            <a:schemeClr val="accent1"/>
+          </a:effectRef>
+          <a:fontRef idx="minor">
+            <a:schemeClr val="tx1"/>
+          </a:fontRef>
+        </p:style>
+      </p:cxnSp>
+      <p:cxnSp>
+        <p:nvCxnSpPr>
+          <p:cNvPr id="45" name="Straight Arrow Connector 44"/>
+          <p:cNvCxnSpPr>
+            <a:stCxn id="40" idx="3"/>
+            <a:endCxn id="5" idx="1"/>
+          </p:cNvCxnSpPr>
+          <p:nvPr/>
+        </p:nvCxnSpPr>
+        <p:spPr>
+          <a:xfrm flipV="1">
+            <a:off x="6213050" y="1379653"/>
+            <a:ext cx="1372974" cy="796758"/>
+          </a:xfrm>
+          <a:prstGeom prst="straightConnector1">
+            <a:avLst/>
+          </a:prstGeom>
+          <a:ln w="34925">
+            <a:tailEnd type="arrow"/>
+          </a:ln>
+        </p:spPr>
+        <p:style>
+          <a:lnRef idx="1">
+            <a:schemeClr val="accent1"/>
+          </a:lnRef>
+          <a:fillRef idx="0">
+            <a:schemeClr val="accent1"/>
+          </a:fillRef>
+          <a:effectRef idx="0">
+            <a:schemeClr val="accent1"/>
+          </a:effectRef>
+          <a:fontRef idx="minor">
+            <a:schemeClr val="tx1"/>
+          </a:fontRef>
+        </p:style>
+      </p:cxnSp>
+      <p:sp>
+        <p:nvSpPr>
+          <p:cNvPr id="50" name="Rectangle 49"/>
+          <p:cNvSpPr/>
+          <p:nvPr/>
+        </p:nvSpPr>
+        <p:spPr>
+          <a:xfrm>
+            <a:off x="6998027" y="2650012"/>
+            <a:ext cx="652806" cy="342900"/>
+          </a:xfrm>
+          <a:prstGeom prst="rect">
+            <a:avLst/>
+          </a:prstGeom>
+          <a:solidFill>
+            <a:schemeClr val="accent6">
+              <a:lumMod val="75000"/>
+            </a:schemeClr>
+          </a:solidFill>
+        </p:spPr>
+        <p:style>
+          <a:lnRef idx="2">
+            <a:schemeClr val="accent1">
+              <a:shade val="50000"/>
+            </a:schemeClr>
+          </a:lnRef>
+          <a:fillRef idx="1">
+            <a:schemeClr val="accent1"/>
+          </a:fillRef>
+          <a:effectRef idx="0">
+            <a:schemeClr val="accent1"/>
+          </a:effectRef>
+          <a:fontRef idx="minor">
+            <a:schemeClr val="lt1"/>
+          </a:fontRef>
+        </p:style>
+        <p:txBody>
+          <a:bodyPr rtlCol="0" anchor="ctr"/>
+          <a:lstStyle/>
+          <a:p>
+            <a:pPr algn="ctr"/>
+            <a:r>
+              <a:rPr lang="en-US" dirty="0" smtClean="0"/>
+              <a:t>M3</a:t>
+            </a:r>
+            <a:endParaRPr lang="en-US" dirty="0"/>
+          </a:p>
+        </p:txBody>
+      </p:sp>
+      <p:cxnSp>
+        <p:nvCxnSpPr>
+          <p:cNvPr id="51" name="Straight Arrow Connector 50"/>
+          <p:cNvCxnSpPr>
+            <a:stCxn id="5" idx="2"/>
+            <a:endCxn id="50" idx="0"/>
+          </p:cNvCxnSpPr>
+          <p:nvPr/>
+        </p:nvCxnSpPr>
+        <p:spPr>
+          <a:xfrm flipH="1">
+            <a:off x="7324430" y="1722553"/>
+            <a:ext cx="833094" cy="927459"/>
+          </a:xfrm>
+          <a:prstGeom prst="straightConnector1">
+            <a:avLst/>
+          </a:prstGeom>
+          <a:ln w="34925">
+            <a:tailEnd type="arrow"/>
+          </a:ln>
+        </p:spPr>
+        <p:style>
+          <a:lnRef idx="1">
+            <a:schemeClr val="accent1"/>
+          </a:lnRef>
+          <a:fillRef idx="0">
+            <a:schemeClr val="accent1"/>
+          </a:fillRef>
+          <a:effectRef idx="0">
+            <a:schemeClr val="accent1"/>
+          </a:effectRef>
+          <a:fontRef idx="minor">
+            <a:schemeClr val="tx1"/>
+          </a:fontRef>
+        </p:style>
+      </p:cxnSp>
+      <p:cxnSp>
+        <p:nvCxnSpPr>
+          <p:cNvPr id="54" name="Straight Arrow Connector 53"/>
+          <p:cNvCxnSpPr>
+            <a:stCxn id="50" idx="2"/>
+            <a:endCxn id="8" idx="3"/>
+          </p:cNvCxnSpPr>
+          <p:nvPr/>
+        </p:nvCxnSpPr>
+        <p:spPr>
+          <a:xfrm flipH="1">
+            <a:off x="5981700" y="2992912"/>
+            <a:ext cx="1342730" cy="819621"/>
+          </a:xfrm>
+          <a:prstGeom prst="straightConnector1">
+            <a:avLst/>
+          </a:prstGeom>
+          <a:ln w="34925">
+            <a:tailEnd type="arrow"/>
+          </a:ln>
+        </p:spPr>
+        <p:style>
+          <a:lnRef idx="1">
+            <a:schemeClr val="accent1"/>
+          </a:lnRef>
+          <a:fillRef idx="0">
+            <a:schemeClr val="accent1"/>
+          </a:fillRef>
+          <a:effectRef idx="0">
+            <a:schemeClr val="accent1"/>
+          </a:effectRef>
+          <a:fontRef idx="minor">
+            <a:schemeClr val="tx1"/>
+          </a:fontRef>
+        </p:style>
+      </p:cxnSp>
+      <p:cxnSp>
+        <p:nvCxnSpPr>
+          <p:cNvPr id="58" name="Straight Arrow Connector 57"/>
+          <p:cNvCxnSpPr>
+            <a:stCxn id="8" idx="1"/>
+            <a:endCxn id="6" idx="3"/>
+          </p:cNvCxnSpPr>
+          <p:nvPr/>
+        </p:nvCxnSpPr>
+        <p:spPr>
+          <a:xfrm flipH="1">
+            <a:off x="1657153" y="3812533"/>
+            <a:ext cx="3181547" cy="2238221"/>
+          </a:xfrm>
+          <a:prstGeom prst="straightConnector1">
+            <a:avLst/>
+          </a:prstGeom>
+          <a:ln w="34925">
+            <a:tailEnd type="arrow"/>
+          </a:ln>
+        </p:spPr>
+        <p:style>
+          <a:lnRef idx="1">
+            <a:schemeClr val="accent1"/>
+          </a:lnRef>
+          <a:fillRef idx="0">
+            <a:schemeClr val="accent1"/>
+          </a:fillRef>
+          <a:effectRef idx="0">
+            <a:schemeClr val="accent1"/>
+          </a:effectRef>
+          <a:fontRef idx="minor">
+            <a:schemeClr val="tx1"/>
+          </a:fontRef>
+        </p:style>
+      </p:cxnSp>
+      <p:sp>
+        <p:nvSpPr>
+          <p:cNvPr id="65" name="Rectangle 64"/>
+          <p:cNvSpPr/>
+          <p:nvPr/>
+        </p:nvSpPr>
+        <p:spPr>
+          <a:xfrm>
+            <a:off x="3274096" y="5199858"/>
+            <a:ext cx="652806" cy="342900"/>
+          </a:xfrm>
+          <a:prstGeom prst="rect">
+            <a:avLst/>
+          </a:prstGeom>
+          <a:solidFill>
+            <a:schemeClr val="bg1">
+              <a:lumMod val="65000"/>
+            </a:schemeClr>
+          </a:solidFill>
+        </p:spPr>
+        <p:style>
+          <a:lnRef idx="2">
+            <a:schemeClr val="accent1">
+              <a:shade val="50000"/>
+            </a:schemeClr>
+          </a:lnRef>
+          <a:fillRef idx="1">
+            <a:schemeClr val="accent1"/>
+          </a:fillRef>
+          <a:effectRef idx="0">
+            <a:schemeClr val="accent1"/>
+          </a:effectRef>
+          <a:fontRef idx="minor">
+            <a:schemeClr val="lt1"/>
+          </a:fontRef>
+        </p:style>
+        <p:txBody>
+          <a:bodyPr rtlCol="0" anchor="ctr"/>
+          <a:lstStyle/>
+          <a:p>
+            <a:pPr algn="ctr"/>
+            <a:r>
+              <a:rPr lang="en-US" dirty="0" smtClean="0"/>
+              <a:t>T2</a:t>
+            </a:r>
+            <a:endParaRPr lang="en-US" dirty="0"/>
+          </a:p>
+        </p:txBody>
+      </p:sp>
+      <p:cxnSp>
+        <p:nvCxnSpPr>
+          <p:cNvPr id="66" name="Straight Arrow Connector 65"/>
+          <p:cNvCxnSpPr>
+            <a:stCxn id="46" idx="3"/>
+            <a:endCxn id="65" idx="1"/>
+          </p:cNvCxnSpPr>
+          <p:nvPr/>
+        </p:nvCxnSpPr>
+        <p:spPr>
+          <a:xfrm>
+            <a:off x="1431303" y="4472730"/>
+            <a:ext cx="1842793" cy="898578"/>
+          </a:xfrm>
+          <a:prstGeom prst="straightConnector1">
+            <a:avLst/>
+          </a:prstGeom>
+          <a:ln w="34925">
+            <a:tailEnd type="arrow"/>
+          </a:ln>
+        </p:spPr>
+        <p:style>
+          <a:lnRef idx="1">
+            <a:schemeClr val="accent1"/>
+          </a:lnRef>
+          <a:fillRef idx="0">
+            <a:schemeClr val="accent1"/>
+          </a:fillRef>
+          <a:effectRef idx="0">
+            <a:schemeClr val="accent1"/>
+          </a:effectRef>
+          <a:fontRef idx="minor">
+            <a:schemeClr val="tx1"/>
+          </a:fontRef>
+        </p:style>
+      </p:cxnSp>
+      <p:cxnSp>
+        <p:nvCxnSpPr>
+          <p:cNvPr id="69" name="Straight Arrow Connector 68"/>
+          <p:cNvCxnSpPr>
+            <a:stCxn id="8" idx="2"/>
+            <a:endCxn id="65" idx="3"/>
+          </p:cNvCxnSpPr>
+          <p:nvPr/>
+        </p:nvCxnSpPr>
+        <p:spPr>
+          <a:xfrm flipH="1">
+            <a:off x="3926902" y="4155433"/>
+            <a:ext cx="1483298" cy="1215875"/>
+          </a:xfrm>
+          <a:prstGeom prst="straightConnector1">
+            <a:avLst/>
+          </a:prstGeom>
+          <a:ln w="34925">
+            <a:tailEnd type="arrow"/>
+          </a:ln>
+        </p:spPr>
+        <p:style>
+          <a:lnRef idx="1">
+            <a:schemeClr val="accent1"/>
+          </a:lnRef>
+          <a:fillRef idx="0">
+            <a:schemeClr val="accent1"/>
+          </a:fillRef>
+          <a:effectRef idx="0">
+            <a:schemeClr val="accent1"/>
+          </a:effectRef>
+          <a:fontRef idx="minor">
+            <a:schemeClr val="tx1"/>
+          </a:fontRef>
+        </p:style>
+      </p:cxnSp>
+      <p:sp>
+        <p:nvSpPr>
+          <p:cNvPr id="72" name="Rectangle 71"/>
+          <p:cNvSpPr/>
+          <p:nvPr/>
+        </p:nvSpPr>
+        <p:spPr>
+          <a:xfrm>
+            <a:off x="7783594" y="5765764"/>
+            <a:ext cx="1143000" cy="685800"/>
+          </a:xfrm>
+          <a:prstGeom prst="rect">
+            <a:avLst/>
+          </a:prstGeom>
+        </p:spPr>
+        <p:style>
+          <a:lnRef idx="2">
+            <a:schemeClr val="accent1">
+              <a:shade val="50000"/>
+            </a:schemeClr>
+          </a:lnRef>
+          <a:fillRef idx="1">
+            <a:schemeClr val="accent1"/>
+          </a:fillRef>
+          <a:effectRef idx="0">
+            <a:schemeClr val="accent1"/>
+          </a:effectRef>
+          <a:fontRef idx="minor">
+            <a:schemeClr val="lt1"/>
+          </a:fontRef>
+        </p:style>
+        <p:txBody>
+          <a:bodyPr rtlCol="0" anchor="ctr"/>
+          <a:lstStyle/>
+          <a:p>
+            <a:pPr algn="ctr"/>
+            <a:r>
+              <a:rPr lang="en-US" dirty="0" smtClean="0"/>
+              <a:t>Clinic Ops</a:t>
+            </a:r>
+          </a:p>
+        </p:txBody>
+      </p:sp>
+      <p:cxnSp>
+        <p:nvCxnSpPr>
+          <p:cNvPr id="73" name="Straight Arrow Connector 72"/>
+          <p:cNvCxnSpPr>
+            <a:stCxn id="65" idx="3"/>
+            <a:endCxn id="9" idx="1"/>
+          </p:cNvCxnSpPr>
+          <p:nvPr/>
+        </p:nvCxnSpPr>
+        <p:spPr>
+          <a:xfrm>
+            <a:off x="3926902" y="5371308"/>
+            <a:ext cx="889728" cy="606607"/>
+          </a:xfrm>
+          <a:prstGeom prst="straightConnector1">
+            <a:avLst/>
+          </a:prstGeom>
+          <a:ln w="34925">
+            <a:tailEnd type="arrow"/>
+          </a:ln>
+        </p:spPr>
+        <p:style>
+          <a:lnRef idx="1">
+            <a:schemeClr val="accent1"/>
+          </a:lnRef>
+          <a:fillRef idx="0">
+            <a:schemeClr val="accent1"/>
+          </a:fillRef>
+          <a:effectRef idx="0">
+            <a:schemeClr val="accent1"/>
+          </a:effectRef>
+          <a:fontRef idx="minor">
+            <a:schemeClr val="tx1"/>
+          </a:fontRef>
+        </p:style>
+      </p:cxnSp>
+      <p:sp>
+        <p:nvSpPr>
+          <p:cNvPr id="80" name="Rectangle 79"/>
+          <p:cNvSpPr/>
+          <p:nvPr/>
+        </p:nvSpPr>
+        <p:spPr>
+          <a:xfrm>
+            <a:off x="6345221" y="5952143"/>
+            <a:ext cx="652806" cy="342900"/>
+          </a:xfrm>
+          <a:prstGeom prst="rect">
+            <a:avLst/>
+          </a:prstGeom>
+          <a:solidFill>
+            <a:schemeClr val="accent6">
+              <a:lumMod val="75000"/>
+            </a:schemeClr>
+          </a:solidFill>
+        </p:spPr>
+        <p:style>
+          <a:lnRef idx="2">
+            <a:schemeClr val="accent1">
+              <a:shade val="50000"/>
+            </a:schemeClr>
+          </a:lnRef>
+          <a:fillRef idx="1">
+            <a:schemeClr val="accent1"/>
+          </a:fillRef>
+          <a:effectRef idx="0">
+            <a:schemeClr val="accent1"/>
+          </a:effectRef>
+          <a:fontRef idx="minor">
+            <a:schemeClr val="lt1"/>
+          </a:fontRef>
+        </p:style>
+        <p:txBody>
+          <a:bodyPr rtlCol="0" anchor="ctr"/>
+          <a:lstStyle/>
+          <a:p>
+            <a:pPr algn="ctr"/>
+            <a:r>
+              <a:rPr lang="en-US" dirty="0" smtClean="0"/>
+              <a:t>M4</a:t>
+            </a:r>
+            <a:endParaRPr lang="en-US" dirty="0"/>
+          </a:p>
+        </p:txBody>
+      </p:sp>
+      <p:cxnSp>
+        <p:nvCxnSpPr>
+          <p:cNvPr id="81" name="Straight Arrow Connector 80"/>
+          <p:cNvCxnSpPr>
+            <a:stCxn id="9" idx="3"/>
+            <a:endCxn id="80" idx="1"/>
+          </p:cNvCxnSpPr>
+          <p:nvPr/>
+        </p:nvCxnSpPr>
+        <p:spPr>
+          <a:xfrm>
+            <a:off x="5959630" y="5977915"/>
+            <a:ext cx="385591" cy="145678"/>
+          </a:xfrm>
+          <a:prstGeom prst="straightConnector1">
+            <a:avLst/>
+          </a:prstGeom>
+          <a:ln w="34925">
+            <a:tailEnd type="arrow"/>
+          </a:ln>
+        </p:spPr>
+        <p:style>
+          <a:lnRef idx="1">
+            <a:schemeClr val="accent1"/>
+          </a:lnRef>
+          <a:fillRef idx="0">
+            <a:schemeClr val="accent1"/>
+          </a:fillRef>
+          <a:effectRef idx="0">
+            <a:schemeClr val="accent1"/>
+          </a:effectRef>
+          <a:fontRef idx="minor">
+            <a:schemeClr val="tx1"/>
+          </a:fontRef>
+        </p:style>
+      </p:cxnSp>
+      <p:cxnSp>
+        <p:nvCxnSpPr>
+          <p:cNvPr id="84" name="Straight Arrow Connector 83"/>
+          <p:cNvCxnSpPr>
+            <a:stCxn id="80" idx="3"/>
+            <a:endCxn id="72" idx="1"/>
+          </p:cNvCxnSpPr>
+          <p:nvPr/>
+        </p:nvCxnSpPr>
+        <p:spPr>
+          <a:xfrm flipV="1">
+            <a:off x="6998027" y="6108664"/>
+            <a:ext cx="785567" cy="14929"/>
+          </a:xfrm>
+          <a:prstGeom prst="straightConnector1">
+            <a:avLst/>
+          </a:prstGeom>
+          <a:ln w="34925">
+            <a:tailEnd type="arrow"/>
+          </a:ln>
+        </p:spPr>
+        <p:style>
+          <a:lnRef idx="1">
+            <a:schemeClr val="accent1"/>
+          </a:lnRef>
+          <a:fillRef idx="0">
+            <a:schemeClr val="accent1"/>
+          </a:fillRef>
+          <a:effectRef idx="0">
+            <a:schemeClr val="accent1"/>
+          </a:effectRef>
+          <a:fontRef idx="minor">
+            <a:schemeClr val="tx1"/>
+          </a:fontRef>
+        </p:style>
+      </p:cxnSp>
+      <p:sp>
+        <p:nvSpPr>
+          <p:cNvPr id="97" name="Rectangle 96"/>
+          <p:cNvSpPr/>
+          <p:nvPr/>
+        </p:nvSpPr>
+        <p:spPr>
+          <a:xfrm>
+            <a:off x="811491" y="1683370"/>
+            <a:ext cx="652806" cy="342900"/>
+          </a:xfrm>
+          <a:prstGeom prst="rect">
+            <a:avLst/>
+          </a:prstGeom>
+          <a:solidFill>
+            <a:schemeClr val="accent6">
+              <a:lumMod val="75000"/>
+            </a:schemeClr>
+          </a:solidFill>
+        </p:spPr>
+        <p:style>
+          <a:lnRef idx="2">
+            <a:schemeClr val="accent1">
+              <a:shade val="50000"/>
+            </a:schemeClr>
+          </a:lnRef>
+          <a:fillRef idx="1">
+            <a:schemeClr val="accent1"/>
+          </a:fillRef>
+          <a:effectRef idx="0">
+            <a:schemeClr val="accent1"/>
+          </a:effectRef>
+          <a:fontRef idx="minor">
+            <a:schemeClr val="lt1"/>
+          </a:fontRef>
+        </p:style>
+        <p:txBody>
+          <a:bodyPr rtlCol="0" anchor="ctr"/>
+          <a:lstStyle/>
+          <a:p>
+            <a:pPr algn="ctr"/>
+            <a:r>
+              <a:rPr lang="en-US" dirty="0" smtClean="0"/>
+              <a:t>M1</a:t>
+            </a:r>
+            <a:endParaRPr lang="en-US" dirty="0"/>
+          </a:p>
+        </p:txBody>
+      </p:sp>
+      <p:cxnSp>
+        <p:nvCxnSpPr>
+          <p:cNvPr id="98" name="Straight Arrow Connector 97"/>
+          <p:cNvCxnSpPr>
+            <a:stCxn id="97" idx="2"/>
+            <a:endCxn id="10" idx="0"/>
+          </p:cNvCxnSpPr>
+          <p:nvPr/>
+        </p:nvCxnSpPr>
+        <p:spPr>
+          <a:xfrm flipH="1">
+            <a:off x="1104900" y="2026270"/>
+            <a:ext cx="32994" cy="321591"/>
+          </a:xfrm>
+          <a:prstGeom prst="straightConnector1">
+            <a:avLst/>
+          </a:prstGeom>
+          <a:ln w="34925">
+            <a:tailEnd type="arrow"/>
+          </a:ln>
+        </p:spPr>
+        <p:style>
+          <a:lnRef idx="1">
+            <a:schemeClr val="accent1"/>
+          </a:lnRef>
+          <a:fillRef idx="0">
+            <a:schemeClr val="accent1"/>
+          </a:fillRef>
+          <a:effectRef idx="0">
+            <a:schemeClr val="accent1"/>
+          </a:effectRef>
+          <a:fontRef idx="minor">
+            <a:schemeClr val="tx1"/>
+          </a:fontRef>
+        </p:style>
+      </p:cxnSp>
+      <p:cxnSp>
+        <p:nvCxnSpPr>
+          <p:cNvPr id="200" name="Straight Arrow Connector 199"/>
+          <p:cNvCxnSpPr>
+            <a:stCxn id="9" idx="1"/>
+            <a:endCxn id="6" idx="3"/>
+          </p:cNvCxnSpPr>
+          <p:nvPr/>
+        </p:nvCxnSpPr>
+        <p:spPr>
+          <a:xfrm flipH="1">
+            <a:off x="1657153" y="5977915"/>
+            <a:ext cx="3159477" cy="72839"/>
+          </a:xfrm>
+          <a:prstGeom prst="straightConnector1">
+            <a:avLst/>
+          </a:prstGeom>
+          <a:ln w="34925">
+            <a:tailEnd type="arrow"/>
+          </a:ln>
+        </p:spPr>
+        <p:style>
+          <a:lnRef idx="1">
+            <a:schemeClr val="accent1"/>
+          </a:lnRef>
+          <a:fillRef idx="0">
+            <a:schemeClr val="accent1"/>
+          </a:fillRef>
+          <a:effectRef idx="0">
+            <a:schemeClr val="accent1"/>
+          </a:effectRef>
+          <a:fontRef idx="minor">
+            <a:schemeClr val="tx1"/>
+          </a:fontRef>
+        </p:style>
+      </p:cxnSp>
+      <p:sp>
+        <p:nvSpPr>
+          <p:cNvPr id="44" name="Rectangle 43"/>
+          <p:cNvSpPr/>
+          <p:nvPr/>
+        </p:nvSpPr>
+        <p:spPr>
+          <a:xfrm>
+            <a:off x="703279" y="3283164"/>
+            <a:ext cx="764749" cy="342900"/>
+          </a:xfrm>
+          <a:prstGeom prst="rect">
+            <a:avLst/>
+          </a:prstGeom>
+          <a:solidFill>
+            <a:schemeClr val="accent6">
+              <a:lumMod val="75000"/>
+            </a:schemeClr>
+          </a:solidFill>
+        </p:spPr>
+        <p:style>
+          <a:lnRef idx="2">
+            <a:schemeClr val="accent1">
+              <a:shade val="50000"/>
+            </a:schemeClr>
+          </a:lnRef>
+          <a:fillRef idx="1">
+            <a:schemeClr val="accent1"/>
+          </a:fillRef>
+          <a:effectRef idx="0">
+            <a:schemeClr val="accent1"/>
+          </a:effectRef>
+          <a:fontRef idx="minor">
+            <a:schemeClr val="lt1"/>
+          </a:fontRef>
+        </p:style>
+        <p:txBody>
+          <a:bodyPr rtlCol="0" anchor="ctr"/>
+          <a:lstStyle/>
+          <a:p>
+            <a:pPr algn="ctr"/>
+            <a:r>
+              <a:rPr lang="en-US" dirty="0" smtClean="0"/>
+              <a:t>M1.1</a:t>
+            </a:r>
+            <a:endParaRPr lang="en-US" dirty="0"/>
+          </a:p>
+        </p:txBody>
+      </p:sp>
+      <p:sp>
+        <p:nvSpPr>
+          <p:cNvPr id="46" name="Rectangle 45"/>
+          <p:cNvSpPr/>
+          <p:nvPr/>
+        </p:nvSpPr>
+        <p:spPr>
+          <a:xfrm>
+            <a:off x="778497" y="4301280"/>
+            <a:ext cx="652806" cy="342900"/>
+          </a:xfrm>
+          <a:prstGeom prst="rect">
+            <a:avLst/>
+          </a:prstGeom>
+          <a:solidFill>
+            <a:srgbClr val="00B050"/>
+          </a:solidFill>
+        </p:spPr>
+        <p:style>
+          <a:lnRef idx="2">
+            <a:schemeClr val="accent1">
+              <a:shade val="50000"/>
+            </a:schemeClr>
+          </a:lnRef>
+          <a:fillRef idx="1">
+            <a:schemeClr val="accent1"/>
+          </a:fillRef>
+          <a:effectRef idx="0">
+            <a:schemeClr val="accent1"/>
+          </a:effectRef>
+          <a:fontRef idx="minor">
+            <a:schemeClr val="lt1"/>
+          </a:fontRef>
+        </p:style>
+        <p:txBody>
+          <a:bodyPr rtlCol="0" anchor="ctr"/>
+          <a:lstStyle/>
+          <a:p>
+            <a:pPr algn="ctr"/>
+            <a:r>
+              <a:rPr lang="en-US" dirty="0" smtClean="0"/>
+              <a:t>txt</a:t>
+            </a:r>
+            <a:endParaRPr lang="en-US" dirty="0"/>
+          </a:p>
+        </p:txBody>
+      </p:sp>
+    </p:spTree>
+    <p:extLst>
+      <p:ext uri="{BB962C8B-B14F-4D97-AF65-F5344CB8AC3E}">
+        <p14:creationId xmlns:p14="http://schemas.microsoft.com/office/powerpoint/2010/main" val="2986791140"/>
+      </p:ext>
+    </p:extLst>
+  </p:cSld>
+  <p:clrMapOvr>
+    <a:masterClrMapping/>
+  </p:clrMapOvr>
+  <p:timing>
+    <p:tnLst>
+      <p:par>
+        <p:cTn id="1" dur="indefinite" restart="never" nodeType="tmRoot"/>
+      </p:par>
+    </p:tnLst>
+  </p:timing>
+</p:sld>
+</file>
+
+<file path=ppt/slides/slide5.xml><?xml version="1.0" encoding="utf-8"?>
+<p:sld xmlns:a="http://schemas.openxmlformats.org/drawingml/2006/main" xmlns:r="http://schemas.openxmlformats.org/officeDocument/2006/relationships" xmlns:p="http://schemas.openxmlformats.org/presentationml/2006/main">
+  <p:cSld>
+    <p:spTree>
+      <p:nvGrpSpPr>
+        <p:cNvPr id="1" name=""/>
+        <p:cNvGrpSpPr/>
+        <p:nvPr/>
+      </p:nvGrpSpPr>
+      <p:grpSpPr>
+        <a:xfrm>
+          <a:off x="0" y="0"/>
+          <a:ext cx="0" cy="0"/>
+          <a:chOff x="0" y="0"/>
+          <a:chExt cx="0" cy="0"/>
+        </a:xfrm>
+      </p:grpSpPr>
+      <p:sp>
+        <p:nvSpPr>
+          <p:cNvPr id="3" name="Rectangle 2"/>
+          <p:cNvSpPr/>
+          <p:nvPr/>
+        </p:nvSpPr>
+        <p:spPr>
+          <a:xfrm>
+            <a:off x="152400" y="228598"/>
+            <a:ext cx="1371600" cy="381000"/>
+          </a:xfrm>
+          <a:prstGeom prst="rect">
+            <a:avLst/>
+          </a:prstGeom>
+        </p:spPr>
+        <p:style>
+          <a:lnRef idx="2">
+            <a:schemeClr val="accent1">
+              <a:shade val="50000"/>
+            </a:schemeClr>
+          </a:lnRef>
+          <a:fillRef idx="1">
+            <a:schemeClr val="accent1"/>
+          </a:fillRef>
+          <a:effectRef idx="0">
+            <a:schemeClr val="accent1"/>
+          </a:effectRef>
+          <a:fontRef idx="minor">
+            <a:schemeClr val="lt1"/>
+          </a:fontRef>
+        </p:style>
+        <p:txBody>
+          <a:bodyPr rtlCol="0" anchor="ctr"/>
+          <a:lstStyle/>
+          <a:p>
+            <a:pPr algn="ctr"/>
+            <a:r>
+              <a:rPr lang="en-US" dirty="0" smtClean="0"/>
+              <a:t>System</a:t>
+            </a:r>
+            <a:endParaRPr lang="en-US" dirty="0"/>
+          </a:p>
+        </p:txBody>
+      </p:sp>
+      <p:sp>
+        <p:nvSpPr>
+          <p:cNvPr id="4" name="Rectangle 3"/>
+          <p:cNvSpPr/>
+          <p:nvPr/>
+        </p:nvSpPr>
+        <p:spPr>
+          <a:xfrm>
+            <a:off x="2170131" y="609598"/>
+            <a:ext cx="1865330" cy="381000"/>
+          </a:xfrm>
+          <a:prstGeom prst="rect">
+            <a:avLst/>
+          </a:prstGeom>
+        </p:spPr>
+        <p:style>
+          <a:lnRef idx="2">
+            <a:schemeClr val="accent1">
+              <a:shade val="50000"/>
+            </a:schemeClr>
+          </a:lnRef>
+          <a:fillRef idx="1">
+            <a:schemeClr val="accent1"/>
+          </a:fillRef>
+          <a:effectRef idx="0">
+            <a:schemeClr val="accent1"/>
+          </a:effectRef>
+          <a:fontRef idx="minor">
+            <a:schemeClr val="lt1"/>
+          </a:fontRef>
+        </p:style>
+        <p:txBody>
+          <a:bodyPr rtlCol="0" anchor="ctr"/>
+          <a:lstStyle/>
+          <a:p>
+            <a:pPr algn="ctr"/>
+            <a:r>
+              <a:rPr lang="en-US" dirty="0" smtClean="0"/>
+              <a:t>Appointments</a:t>
+            </a:r>
+            <a:endParaRPr lang="en-US" dirty="0"/>
+          </a:p>
+        </p:txBody>
+      </p:sp>
+      <p:sp>
+        <p:nvSpPr>
+          <p:cNvPr id="5" name="Rectangle 4"/>
+          <p:cNvSpPr/>
+          <p:nvPr/>
+        </p:nvSpPr>
+        <p:spPr>
+          <a:xfrm>
+            <a:off x="2139791" y="2122208"/>
+            <a:ext cx="1865330" cy="381000"/>
+          </a:xfrm>
+          <a:prstGeom prst="rect">
+            <a:avLst/>
+          </a:prstGeom>
+        </p:spPr>
+        <p:style>
+          <a:lnRef idx="2">
+            <a:schemeClr val="accent1">
+              <a:shade val="50000"/>
+            </a:schemeClr>
+          </a:lnRef>
+          <a:fillRef idx="1">
+            <a:schemeClr val="accent1"/>
+          </a:fillRef>
+          <a:effectRef idx="0">
+            <a:schemeClr val="accent1"/>
+          </a:effectRef>
+          <a:fontRef idx="minor">
+            <a:schemeClr val="lt1"/>
+          </a:fontRef>
+        </p:style>
+        <p:txBody>
+          <a:bodyPr rtlCol="0" anchor="ctr"/>
+          <a:lstStyle/>
+          <a:p>
+            <a:pPr algn="ctr"/>
+            <a:r>
+              <a:rPr lang="en-US" dirty="0" smtClean="0"/>
+              <a:t>EDI_Request</a:t>
+            </a:r>
+            <a:endParaRPr lang="en-US" dirty="0"/>
+          </a:p>
+        </p:txBody>
+      </p:sp>
+      <p:sp>
+        <p:nvSpPr>
+          <p:cNvPr id="6" name="Rectangle 5"/>
+          <p:cNvSpPr/>
+          <p:nvPr/>
+        </p:nvSpPr>
+        <p:spPr>
+          <a:xfrm>
+            <a:off x="2478567" y="3709252"/>
+            <a:ext cx="1865330" cy="381000"/>
+          </a:xfrm>
+          <a:prstGeom prst="rect">
+            <a:avLst/>
+          </a:prstGeom>
+        </p:spPr>
+        <p:style>
+          <a:lnRef idx="2">
+            <a:schemeClr val="accent1">
+              <a:shade val="50000"/>
+            </a:schemeClr>
+          </a:lnRef>
+          <a:fillRef idx="1">
+            <a:schemeClr val="accent1"/>
+          </a:fillRef>
+          <a:effectRef idx="0">
+            <a:schemeClr val="accent1"/>
+          </a:effectRef>
+          <a:fontRef idx="minor">
+            <a:schemeClr val="lt1"/>
+          </a:fontRef>
+        </p:style>
+        <p:txBody>
+          <a:bodyPr rtlCol="0" anchor="ctr"/>
+          <a:lstStyle/>
+          <a:p>
+            <a:pPr algn="ctr"/>
+            <a:r>
+              <a:rPr lang="en-US" dirty="0" smtClean="0"/>
+              <a:t>EDI_Response</a:t>
+            </a:r>
+            <a:endParaRPr lang="en-US" dirty="0"/>
+          </a:p>
+        </p:txBody>
+      </p:sp>
+      <p:sp>
+        <p:nvSpPr>
+          <p:cNvPr id="7" name="Rectangle 6"/>
+          <p:cNvSpPr/>
+          <p:nvPr/>
+        </p:nvSpPr>
+        <p:spPr>
+          <a:xfrm>
+            <a:off x="2469636" y="5221024"/>
+            <a:ext cx="1865330" cy="381000"/>
+          </a:xfrm>
+          <a:prstGeom prst="rect">
+            <a:avLst/>
+          </a:prstGeom>
+        </p:spPr>
+        <p:style>
+          <a:lnRef idx="2">
+            <a:schemeClr val="accent1">
+              <a:shade val="50000"/>
+            </a:schemeClr>
+          </a:lnRef>
+          <a:fillRef idx="1">
+            <a:schemeClr val="accent1"/>
+          </a:fillRef>
+          <a:effectRef idx="0">
+            <a:schemeClr val="accent1"/>
+          </a:effectRef>
+          <a:fontRef idx="minor">
+            <a:schemeClr val="lt1"/>
+          </a:fontRef>
+        </p:style>
+        <p:txBody>
+          <a:bodyPr rtlCol="0" anchor="ctr"/>
+          <a:lstStyle/>
+          <a:p>
+            <a:pPr algn="ctr"/>
+            <a:r>
+              <a:rPr lang="en-US" dirty="0" smtClean="0"/>
+              <a:t>Final_Report</a:t>
+            </a:r>
+            <a:endParaRPr lang="en-US" dirty="0"/>
+          </a:p>
+        </p:txBody>
+      </p:sp>
+      <p:sp>
+        <p:nvSpPr>
+          <p:cNvPr id="8" name="Rectangle 7"/>
+          <p:cNvSpPr/>
+          <p:nvPr/>
+        </p:nvSpPr>
+        <p:spPr>
+          <a:xfrm>
+            <a:off x="4538027" y="947682"/>
+            <a:ext cx="1865330" cy="381000"/>
+          </a:xfrm>
+          <a:prstGeom prst="rect">
+            <a:avLst/>
+          </a:prstGeom>
+        </p:spPr>
+        <p:style>
+          <a:lnRef idx="2">
+            <a:schemeClr val="accent1">
+              <a:shade val="50000"/>
+            </a:schemeClr>
+          </a:lnRef>
+          <a:fillRef idx="1">
+            <a:schemeClr val="accent1"/>
+          </a:fillRef>
+          <a:effectRef idx="0">
+            <a:schemeClr val="accent1"/>
+          </a:effectRef>
+          <a:fontRef idx="minor">
+            <a:schemeClr val="lt1"/>
+          </a:fontRef>
+        </p:style>
+        <p:txBody>
+          <a:bodyPr rtlCol="0" anchor="ctr"/>
+          <a:lstStyle/>
+          <a:p>
+            <a:pPr algn="ctr"/>
+            <a:r>
+              <a:rPr lang="en-US" dirty="0" smtClean="0"/>
+              <a:t>Archive</a:t>
+            </a:r>
+            <a:endParaRPr lang="en-US" dirty="0"/>
+          </a:p>
+        </p:txBody>
+      </p:sp>
+      <p:sp>
+        <p:nvSpPr>
+          <p:cNvPr id="10" name="Rectangle 9"/>
+          <p:cNvSpPr/>
+          <p:nvPr/>
+        </p:nvSpPr>
+        <p:spPr>
+          <a:xfrm>
+            <a:off x="4482745" y="2503208"/>
+            <a:ext cx="1865330" cy="381000"/>
+          </a:xfrm>
+          <a:prstGeom prst="rect">
+            <a:avLst/>
+          </a:prstGeom>
+        </p:spPr>
+        <p:style>
+          <a:lnRef idx="2">
+            <a:schemeClr val="accent1">
+              <a:shade val="50000"/>
+            </a:schemeClr>
+          </a:lnRef>
+          <a:fillRef idx="1">
+            <a:schemeClr val="accent1"/>
+          </a:fillRef>
+          <a:effectRef idx="0">
+            <a:schemeClr val="accent1"/>
+          </a:effectRef>
+          <a:fontRef idx="minor">
+            <a:schemeClr val="lt1"/>
+          </a:fontRef>
+        </p:style>
+        <p:txBody>
+          <a:bodyPr rtlCol="0" anchor="ctr"/>
+          <a:lstStyle/>
+          <a:p>
+            <a:pPr algn="ctr"/>
+            <a:r>
+              <a:rPr lang="en-US" dirty="0" smtClean="0"/>
+              <a:t>Archive</a:t>
+            </a:r>
+            <a:endParaRPr lang="en-US" dirty="0"/>
+          </a:p>
+        </p:txBody>
+      </p:sp>
+      <p:sp>
+        <p:nvSpPr>
+          <p:cNvPr id="11" name="Rectangle 10"/>
+          <p:cNvSpPr/>
+          <p:nvPr/>
+        </p:nvSpPr>
+        <p:spPr>
+          <a:xfrm>
+            <a:off x="4753962" y="4154667"/>
+            <a:ext cx="1865330" cy="381000"/>
+          </a:xfrm>
+          <a:prstGeom prst="rect">
+            <a:avLst/>
+          </a:prstGeom>
+        </p:spPr>
+        <p:style>
+          <a:lnRef idx="2">
+            <a:schemeClr val="accent1">
+              <a:shade val="50000"/>
+            </a:schemeClr>
+          </a:lnRef>
+          <a:fillRef idx="1">
+            <a:schemeClr val="accent1"/>
+          </a:fillRef>
+          <a:effectRef idx="0">
+            <a:schemeClr val="accent1"/>
+          </a:effectRef>
+          <a:fontRef idx="minor">
+            <a:schemeClr val="lt1"/>
+          </a:fontRef>
+        </p:style>
+        <p:txBody>
+          <a:bodyPr rtlCol="0" anchor="ctr"/>
+          <a:lstStyle/>
+          <a:p>
+            <a:pPr algn="ctr"/>
+            <a:r>
+              <a:rPr lang="en-US" dirty="0" smtClean="0"/>
+              <a:t>Archive</a:t>
+            </a:r>
+            <a:endParaRPr lang="en-US" dirty="0"/>
+          </a:p>
+        </p:txBody>
+      </p:sp>
+      <p:sp>
+        <p:nvSpPr>
+          <p:cNvPr id="12" name="Rectangle 11"/>
+          <p:cNvSpPr/>
+          <p:nvPr/>
+        </p:nvSpPr>
+        <p:spPr>
+          <a:xfrm>
+            <a:off x="4579276" y="5715440"/>
+            <a:ext cx="1865330" cy="381000"/>
+          </a:xfrm>
+          <a:prstGeom prst="rect">
+            <a:avLst/>
+          </a:prstGeom>
+        </p:spPr>
+        <p:style>
+          <a:lnRef idx="2">
+            <a:schemeClr val="accent1">
+              <a:shade val="50000"/>
+            </a:schemeClr>
+          </a:lnRef>
+          <a:fillRef idx="1">
+            <a:schemeClr val="accent1"/>
+          </a:fillRef>
+          <a:effectRef idx="0">
+            <a:schemeClr val="accent1"/>
+          </a:effectRef>
+          <a:fontRef idx="minor">
+            <a:schemeClr val="lt1"/>
+          </a:fontRef>
+        </p:style>
+        <p:txBody>
+          <a:bodyPr rtlCol="0" anchor="ctr"/>
+          <a:lstStyle/>
+          <a:p>
+            <a:pPr algn="ctr"/>
+            <a:r>
+              <a:rPr lang="en-US" dirty="0" smtClean="0"/>
+              <a:t>Archive</a:t>
+            </a:r>
+            <a:endParaRPr lang="en-US" dirty="0"/>
+          </a:p>
+        </p:txBody>
+      </p:sp>
+      <p:cxnSp>
+        <p:nvCxnSpPr>
+          <p:cNvPr id="14" name="Elbow Connector 13"/>
+          <p:cNvCxnSpPr>
+            <a:stCxn id="3" idx="2"/>
+            <a:endCxn id="4" idx="1"/>
+          </p:cNvCxnSpPr>
+          <p:nvPr/>
+        </p:nvCxnSpPr>
+        <p:spPr>
+          <a:xfrm rot="16200000" flipH="1">
+            <a:off x="1408915" y="38882"/>
+            <a:ext cx="190500" cy="1331931"/>
+          </a:xfrm>
+          <a:prstGeom prst="bentConnector2">
+            <a:avLst/>
+          </a:prstGeom>
+        </p:spPr>
+        <p:style>
+          <a:lnRef idx="1">
+            <a:schemeClr val="accent1"/>
+          </a:lnRef>
+          <a:fillRef idx="0">
+            <a:schemeClr val="accent1"/>
+          </a:fillRef>
+          <a:effectRef idx="0">
+            <a:schemeClr val="accent1"/>
+          </a:effectRef>
+          <a:fontRef idx="minor">
+            <a:schemeClr val="tx1"/>
+          </a:fontRef>
+        </p:style>
+      </p:cxnSp>
+      <p:cxnSp>
+        <p:nvCxnSpPr>
+          <p:cNvPr id="20" name="Elbow Connector 19"/>
+          <p:cNvCxnSpPr>
+            <a:stCxn id="3" idx="2"/>
+            <a:endCxn id="5" idx="1"/>
+          </p:cNvCxnSpPr>
+          <p:nvPr/>
+        </p:nvCxnSpPr>
+        <p:spPr>
+          <a:xfrm rot="16200000" flipH="1">
+            <a:off x="637440" y="810357"/>
+            <a:ext cx="1703110" cy="1301591"/>
+          </a:xfrm>
+          <a:prstGeom prst="bentConnector2">
+            <a:avLst/>
+          </a:prstGeom>
+        </p:spPr>
+        <p:style>
+          <a:lnRef idx="1">
+            <a:schemeClr val="accent1"/>
+          </a:lnRef>
+          <a:fillRef idx="0">
+            <a:schemeClr val="accent1"/>
+          </a:fillRef>
+          <a:effectRef idx="0">
+            <a:schemeClr val="accent1"/>
+          </a:effectRef>
+          <a:fontRef idx="minor">
+            <a:schemeClr val="tx1"/>
+          </a:fontRef>
+        </p:style>
+      </p:cxnSp>
+      <p:cxnSp>
+        <p:nvCxnSpPr>
+          <p:cNvPr id="24" name="Elbow Connector 23"/>
+          <p:cNvCxnSpPr>
+            <a:stCxn id="3" idx="2"/>
+            <a:endCxn id="6" idx="1"/>
+          </p:cNvCxnSpPr>
+          <p:nvPr/>
+        </p:nvCxnSpPr>
+        <p:spPr>
+          <a:xfrm rot="16200000" flipH="1">
+            <a:off x="13306" y="1434491"/>
+            <a:ext cx="3290154" cy="1640367"/>
+          </a:xfrm>
+          <a:prstGeom prst="bentConnector2">
+            <a:avLst/>
+          </a:prstGeom>
+        </p:spPr>
+        <p:style>
+          <a:lnRef idx="1">
+            <a:schemeClr val="accent1"/>
+          </a:lnRef>
+          <a:fillRef idx="0">
+            <a:schemeClr val="accent1"/>
+          </a:fillRef>
+          <a:effectRef idx="0">
+            <a:schemeClr val="accent1"/>
+          </a:effectRef>
+          <a:fontRef idx="minor">
+            <a:schemeClr val="tx1"/>
+          </a:fontRef>
+        </p:style>
+      </p:cxnSp>
+      <p:cxnSp>
+        <p:nvCxnSpPr>
+          <p:cNvPr id="26" name="Elbow Connector 25"/>
+          <p:cNvCxnSpPr>
+            <a:stCxn id="3" idx="2"/>
+            <a:endCxn id="7" idx="1"/>
+          </p:cNvCxnSpPr>
+          <p:nvPr/>
+        </p:nvCxnSpPr>
+        <p:spPr>
+          <a:xfrm rot="16200000" flipH="1">
+            <a:off x="-747045" y="2194843"/>
+            <a:ext cx="4801926" cy="1631436"/>
+          </a:xfrm>
+          <a:prstGeom prst="bentConnector2">
+            <a:avLst/>
+          </a:prstGeom>
+        </p:spPr>
+        <p:style>
+          <a:lnRef idx="1">
+            <a:schemeClr val="accent1"/>
+          </a:lnRef>
+          <a:fillRef idx="0">
+            <a:schemeClr val="accent1"/>
+          </a:fillRef>
+          <a:effectRef idx="0">
+            <a:schemeClr val="accent1"/>
+          </a:effectRef>
+          <a:fontRef idx="minor">
+            <a:schemeClr val="tx1"/>
+          </a:fontRef>
+        </p:style>
+      </p:cxnSp>
+      <p:cxnSp>
+        <p:nvCxnSpPr>
+          <p:cNvPr id="31" name="Elbow Connector 30"/>
+          <p:cNvCxnSpPr>
+            <a:stCxn id="4" idx="2"/>
+            <a:endCxn id="8" idx="1"/>
+          </p:cNvCxnSpPr>
+          <p:nvPr/>
+        </p:nvCxnSpPr>
+        <p:spPr>
+          <a:xfrm rot="16200000" flipH="1">
+            <a:off x="3746619" y="346774"/>
+            <a:ext cx="147584" cy="1435231"/>
+          </a:xfrm>
+          <a:prstGeom prst="bentConnector2">
+            <a:avLst/>
+          </a:prstGeom>
+        </p:spPr>
+        <p:style>
+          <a:lnRef idx="1">
+            <a:schemeClr val="accent1"/>
+          </a:lnRef>
+          <a:fillRef idx="0">
+            <a:schemeClr val="accent1"/>
+          </a:fillRef>
+          <a:effectRef idx="0">
+            <a:schemeClr val="accent1"/>
+          </a:effectRef>
+          <a:fontRef idx="minor">
+            <a:schemeClr val="tx1"/>
+          </a:fontRef>
+        </p:style>
+      </p:cxnSp>
+      <p:cxnSp>
+        <p:nvCxnSpPr>
+          <p:cNvPr id="33" name="Elbow Connector 32"/>
+          <p:cNvCxnSpPr>
+            <a:stCxn id="5" idx="2"/>
+            <a:endCxn id="10" idx="1"/>
+          </p:cNvCxnSpPr>
+          <p:nvPr/>
+        </p:nvCxnSpPr>
+        <p:spPr>
+          <a:xfrm rot="16200000" flipH="1">
+            <a:off x="3682350" y="1893313"/>
+            <a:ext cx="190500" cy="1410289"/>
+          </a:xfrm>
+          <a:prstGeom prst="bentConnector2">
+            <a:avLst/>
+          </a:prstGeom>
+        </p:spPr>
+        <p:style>
+          <a:lnRef idx="1">
+            <a:schemeClr val="accent1"/>
+          </a:lnRef>
+          <a:fillRef idx="0">
+            <a:schemeClr val="accent1"/>
+          </a:fillRef>
+          <a:effectRef idx="0">
+            <a:schemeClr val="accent1"/>
+          </a:effectRef>
+          <a:fontRef idx="minor">
+            <a:schemeClr val="tx1"/>
+          </a:fontRef>
+        </p:style>
+      </p:cxnSp>
+      <p:cxnSp>
+        <p:nvCxnSpPr>
+          <p:cNvPr id="35" name="Elbow Connector 34"/>
+          <p:cNvCxnSpPr>
+            <a:stCxn id="6" idx="2"/>
+            <a:endCxn id="11" idx="1"/>
+          </p:cNvCxnSpPr>
+          <p:nvPr/>
+        </p:nvCxnSpPr>
+        <p:spPr>
+          <a:xfrm rot="16200000" flipH="1">
+            <a:off x="3955140" y="3546344"/>
+            <a:ext cx="254915" cy="1342730"/>
+          </a:xfrm>
+          <a:prstGeom prst="bentConnector2">
+            <a:avLst/>
+          </a:prstGeom>
+        </p:spPr>
+        <p:style>
+          <a:lnRef idx="1">
+            <a:schemeClr val="accent1"/>
+          </a:lnRef>
+          <a:fillRef idx="0">
+            <a:schemeClr val="accent1"/>
+          </a:fillRef>
+          <a:effectRef idx="0">
+            <a:schemeClr val="accent1"/>
+          </a:effectRef>
+          <a:fontRef idx="minor">
+            <a:schemeClr val="tx1"/>
+          </a:fontRef>
+        </p:style>
+      </p:cxnSp>
+      <p:cxnSp>
+        <p:nvCxnSpPr>
+          <p:cNvPr id="37" name="Elbow Connector 36"/>
+          <p:cNvCxnSpPr>
+            <a:stCxn id="7" idx="2"/>
+            <a:endCxn id="12" idx="1"/>
+          </p:cNvCxnSpPr>
+          <p:nvPr/>
+        </p:nvCxnSpPr>
+        <p:spPr>
+          <a:xfrm rot="16200000" flipH="1">
+            <a:off x="3838830" y="5165494"/>
+            <a:ext cx="303916" cy="1176975"/>
+          </a:xfrm>
+          <a:prstGeom prst="bentConnector2">
+            <a:avLst/>
+          </a:prstGeom>
+        </p:spPr>
+        <p:style>
+          <a:lnRef idx="1">
+            <a:schemeClr val="accent1"/>
+          </a:lnRef>
+          <a:fillRef idx="0">
+            <a:schemeClr val="accent1"/>
+          </a:fillRef>
+          <a:effectRef idx="0">
+            <a:schemeClr val="accent1"/>
+          </a:effectRef>
+          <a:fontRef idx="minor">
+            <a:schemeClr val="tx1"/>
+          </a:fontRef>
+        </p:style>
+      </p:cxnSp>
+      <p:sp>
+        <p:nvSpPr>
+          <p:cNvPr id="19" name="Rectangle 18"/>
+          <p:cNvSpPr/>
+          <p:nvPr/>
+        </p:nvSpPr>
+        <p:spPr>
+          <a:xfrm>
+            <a:off x="4576423" y="1498662"/>
+            <a:ext cx="1865330" cy="381000"/>
+          </a:xfrm>
+          <a:prstGeom prst="rect">
+            <a:avLst/>
+          </a:prstGeom>
+          <a:solidFill>
+            <a:schemeClr val="bg1">
+              <a:lumMod val="75000"/>
+            </a:schemeClr>
+          </a:solidFill>
+        </p:spPr>
+        <p:style>
+          <a:lnRef idx="2">
+            <a:schemeClr val="accent1">
+              <a:shade val="50000"/>
+            </a:schemeClr>
+          </a:lnRef>
+          <a:fillRef idx="1">
+            <a:schemeClr val="accent1"/>
+          </a:fillRef>
+          <a:effectRef idx="0">
+            <a:schemeClr val="accent1"/>
+          </a:effectRef>
+          <a:fontRef idx="minor">
+            <a:schemeClr val="lt1"/>
+          </a:fontRef>
+        </p:style>
+        <p:txBody>
+          <a:bodyPr rtlCol="0" anchor="ctr"/>
+          <a:lstStyle/>
+          <a:p>
+            <a:pPr algn="ctr"/>
+            <a:r>
+              <a:rPr lang="en-US" dirty="0"/>
+              <a:t>a</a:t>
+            </a:r>
+            <a:r>
+              <a:rPr lang="en-US" dirty="0" smtClean="0"/>
+              <a:t>ppt.txt</a:t>
+            </a:r>
+            <a:endParaRPr lang="en-US" dirty="0"/>
+          </a:p>
+        </p:txBody>
+      </p:sp>
+      <p:cxnSp>
+        <p:nvCxnSpPr>
+          <p:cNvPr id="15" name="Elbow Connector 14"/>
+          <p:cNvCxnSpPr>
+            <a:stCxn id="4" idx="2"/>
+            <a:endCxn id="19" idx="1"/>
+          </p:cNvCxnSpPr>
+          <p:nvPr/>
+        </p:nvCxnSpPr>
+        <p:spPr>
+          <a:xfrm rot="16200000" flipH="1">
+            <a:off x="3490327" y="603066"/>
+            <a:ext cx="698564" cy="1473627"/>
+          </a:xfrm>
+          <a:prstGeom prst="bentConnector2">
+            <a:avLst/>
+          </a:prstGeom>
+        </p:spPr>
+        <p:style>
+          <a:lnRef idx="1">
+            <a:schemeClr val="accent1"/>
+          </a:lnRef>
+          <a:fillRef idx="0">
+            <a:schemeClr val="accent1"/>
+          </a:fillRef>
+          <a:effectRef idx="0">
+            <a:schemeClr val="accent1"/>
+          </a:effectRef>
+          <a:fontRef idx="minor">
+            <a:schemeClr val="tx1"/>
+          </a:fontRef>
+        </p:style>
+      </p:cxnSp>
+      <p:sp>
+        <p:nvSpPr>
+          <p:cNvPr id="25" name="Rectangle 24"/>
+          <p:cNvSpPr/>
+          <p:nvPr/>
+        </p:nvSpPr>
+        <p:spPr>
+          <a:xfrm>
+            <a:off x="4482745" y="3053889"/>
+            <a:ext cx="1865330" cy="381000"/>
+          </a:xfrm>
+          <a:prstGeom prst="rect">
+            <a:avLst/>
+          </a:prstGeom>
+          <a:solidFill>
+            <a:schemeClr val="bg1">
+              <a:lumMod val="75000"/>
+            </a:schemeClr>
+          </a:solidFill>
+        </p:spPr>
+        <p:style>
+          <a:lnRef idx="2">
+            <a:schemeClr val="accent1">
+              <a:shade val="50000"/>
+            </a:schemeClr>
+          </a:lnRef>
+          <a:fillRef idx="1">
+            <a:schemeClr val="accent1"/>
+          </a:fillRef>
+          <a:effectRef idx="0">
+            <a:schemeClr val="accent1"/>
+          </a:effectRef>
+          <a:fontRef idx="minor">
+            <a:schemeClr val="lt1"/>
+          </a:fontRef>
+        </p:style>
+        <p:txBody>
+          <a:bodyPr rtlCol="0" anchor="ctr"/>
+          <a:lstStyle/>
+          <a:p>
+            <a:pPr algn="ctr"/>
+            <a:r>
+              <a:rPr lang="en-US" dirty="0" smtClean="0"/>
+              <a:t>EDI270.x12</a:t>
+            </a:r>
+            <a:endParaRPr lang="en-US" dirty="0"/>
+          </a:p>
+        </p:txBody>
+      </p:sp>
+      <p:cxnSp>
+        <p:nvCxnSpPr>
+          <p:cNvPr id="17" name="Elbow Connector 16"/>
+          <p:cNvCxnSpPr>
+            <a:stCxn id="5" idx="2"/>
+          </p:cNvCxnSpPr>
+          <p:nvPr/>
+        </p:nvCxnSpPr>
+        <p:spPr>
+          <a:xfrm rot="16200000" flipH="1">
+            <a:off x="3372151" y="2203512"/>
+            <a:ext cx="741181" cy="1340571"/>
+          </a:xfrm>
+          <a:prstGeom prst="bentConnector2">
+            <a:avLst/>
+          </a:prstGeom>
+        </p:spPr>
+        <p:style>
+          <a:lnRef idx="1">
+            <a:schemeClr val="accent1"/>
+          </a:lnRef>
+          <a:fillRef idx="0">
+            <a:schemeClr val="accent1"/>
+          </a:fillRef>
+          <a:effectRef idx="0">
+            <a:schemeClr val="accent1"/>
+          </a:effectRef>
+          <a:fontRef idx="minor">
+            <a:schemeClr val="tx1"/>
+          </a:fontRef>
+        </p:style>
+      </p:cxnSp>
+      <p:sp>
+        <p:nvSpPr>
+          <p:cNvPr id="29" name="Rectangle 28"/>
+          <p:cNvSpPr/>
+          <p:nvPr/>
+        </p:nvSpPr>
+        <p:spPr>
+          <a:xfrm>
+            <a:off x="4753962" y="4688067"/>
+            <a:ext cx="1865330" cy="381000"/>
+          </a:xfrm>
+          <a:prstGeom prst="rect">
+            <a:avLst/>
+          </a:prstGeom>
+          <a:solidFill>
+            <a:schemeClr val="bg1">
+              <a:lumMod val="75000"/>
+            </a:schemeClr>
+          </a:solidFill>
+        </p:spPr>
+        <p:style>
+          <a:lnRef idx="2">
+            <a:schemeClr val="accent1">
+              <a:shade val="50000"/>
+            </a:schemeClr>
+          </a:lnRef>
+          <a:fillRef idx="1">
+            <a:schemeClr val="accent1"/>
+          </a:fillRef>
+          <a:effectRef idx="0">
+            <a:schemeClr val="accent1"/>
+          </a:effectRef>
+          <a:fontRef idx="minor">
+            <a:schemeClr val="lt1"/>
+          </a:fontRef>
+        </p:style>
+        <p:txBody>
+          <a:bodyPr rtlCol="0" anchor="ctr"/>
+          <a:lstStyle/>
+          <a:p>
+            <a:pPr algn="ctr"/>
+            <a:r>
+              <a:rPr lang="en-US" dirty="0"/>
+              <a:t>a</a:t>
+            </a:r>
+            <a:r>
+              <a:rPr lang="en-US" dirty="0" smtClean="0"/>
+              <a:t>.x12</a:t>
+            </a:r>
+            <a:endParaRPr lang="en-US" dirty="0"/>
+          </a:p>
+        </p:txBody>
+      </p:sp>
+      <p:cxnSp>
+        <p:nvCxnSpPr>
+          <p:cNvPr id="23" name="Elbow Connector 22"/>
+          <p:cNvCxnSpPr>
+            <a:stCxn id="6" idx="2"/>
+            <a:endCxn id="29" idx="1"/>
+          </p:cNvCxnSpPr>
+          <p:nvPr/>
+        </p:nvCxnSpPr>
+        <p:spPr>
+          <a:xfrm rot="16200000" flipH="1">
+            <a:off x="3688440" y="3813044"/>
+            <a:ext cx="788315" cy="1342730"/>
+          </a:xfrm>
+          <a:prstGeom prst="bentConnector2">
+            <a:avLst/>
+          </a:prstGeom>
+        </p:spPr>
+        <p:style>
+          <a:lnRef idx="1">
+            <a:schemeClr val="accent1"/>
+          </a:lnRef>
+          <a:fillRef idx="0">
+            <a:schemeClr val="accent1"/>
+          </a:fillRef>
+          <a:effectRef idx="0">
+            <a:schemeClr val="accent1"/>
+          </a:effectRef>
+          <a:fontRef idx="minor">
+            <a:schemeClr val="tx1"/>
+          </a:fontRef>
+        </p:style>
+      </p:cxnSp>
+      <p:sp>
+        <p:nvSpPr>
+          <p:cNvPr id="44" name="Rectangle 43"/>
+          <p:cNvSpPr/>
+          <p:nvPr/>
+        </p:nvSpPr>
+        <p:spPr>
+          <a:xfrm>
+            <a:off x="4558662" y="6268088"/>
+            <a:ext cx="1865330" cy="381000"/>
+          </a:xfrm>
+          <a:prstGeom prst="rect">
+            <a:avLst/>
+          </a:prstGeom>
+          <a:solidFill>
+            <a:schemeClr val="bg1">
+              <a:lumMod val="75000"/>
+            </a:schemeClr>
+          </a:solidFill>
+        </p:spPr>
+        <p:style>
+          <a:lnRef idx="2">
+            <a:schemeClr val="accent1">
+              <a:shade val="50000"/>
+            </a:schemeClr>
+          </a:lnRef>
+          <a:fillRef idx="1">
+            <a:schemeClr val="accent1"/>
+          </a:fillRef>
+          <a:effectRef idx="0">
+            <a:schemeClr val="accent1"/>
+          </a:effectRef>
+          <a:fontRef idx="minor">
+            <a:schemeClr val="lt1"/>
+          </a:fontRef>
+        </p:style>
+        <p:txBody>
+          <a:bodyPr rtlCol="0" anchor="ctr"/>
+          <a:lstStyle/>
+          <a:p>
+            <a:pPr algn="ctr"/>
+            <a:r>
+              <a:rPr lang="en-US" dirty="0" smtClean="0"/>
+              <a:t>a</a:t>
+            </a:r>
+            <a:r>
+              <a:rPr lang="en-US" dirty="0" smtClean="0"/>
+              <a:t>.txt</a:t>
+            </a:r>
+            <a:endParaRPr lang="en-US" dirty="0"/>
+          </a:p>
+        </p:txBody>
+      </p:sp>
+      <p:cxnSp>
+        <p:nvCxnSpPr>
+          <p:cNvPr id="46" name="Elbow Connector 45"/>
+          <p:cNvCxnSpPr>
+            <a:stCxn id="7" idx="2"/>
+            <a:endCxn id="44" idx="1"/>
+          </p:cNvCxnSpPr>
+          <p:nvPr/>
+        </p:nvCxnSpPr>
+        <p:spPr>
+          <a:xfrm rot="16200000" flipH="1">
+            <a:off x="3552199" y="5452125"/>
+            <a:ext cx="856564" cy="1156361"/>
+          </a:xfrm>
+          <a:prstGeom prst="bentConnector2">
+            <a:avLst/>
+          </a:prstGeom>
+        </p:spPr>
+        <p:style>
+          <a:lnRef idx="1">
+            <a:schemeClr val="accent1"/>
+          </a:lnRef>
+          <a:fillRef idx="0">
+            <a:schemeClr val="accent1"/>
+          </a:fillRef>
+          <a:effectRef idx="0">
+            <a:schemeClr val="accent1"/>
+          </a:effectRef>
+          <a:fontRef idx="minor">
+            <a:schemeClr val="tx1"/>
+          </a:fontRef>
+        </p:style>
+      </p:cxnSp>
+    </p:spTree>
+    <p:extLst>
+      <p:ext uri="{BB962C8B-B14F-4D97-AF65-F5344CB8AC3E}">
+        <p14:creationId xmlns:p14="http://schemas.microsoft.com/office/powerpoint/2010/main" val="4038522138"/>
       </p:ext>
     </p:extLst>
   </p:cSld>

--- a/Documents/SysDesign.pptx
+++ b/Documents/SysDesign.pptx
@@ -3217,11 +3217,7 @@
             <a:pPr algn="ctr"/>
             <a:r>
               <a:rPr lang="en-US" dirty="0" smtClean="0"/>
-              <a:t>Eligibility</a:t>
-            </a:r>
-            <a:r>
-              <a:rPr lang="en-US" dirty="0" smtClean="0"/>
-              <a:t> Report</a:t>
+              <a:t>Eligibility Report</a:t>
             </a:r>
             <a:endParaRPr lang="en-US" dirty="0"/>
           </a:p>
@@ -6486,11 +6482,7 @@
             <a:pPr algn="ctr"/>
             <a:r>
               <a:rPr lang="en-US" dirty="0" smtClean="0"/>
-              <a:t>a</a:t>
-            </a:r>
-            <a:r>
-              <a:rPr lang="en-US" dirty="0" smtClean="0"/>
-              <a:t>.txt</a:t>
+              <a:t>a.txt</a:t>
             </a:r>
             <a:endParaRPr lang="en-US" dirty="0"/>
           </a:p>

--- a/Documents/SysDesign.pptx
+++ b/Documents/SysDesign.pptx
@@ -4240,7 +4240,7 @@
         </p:nvSpPr>
         <p:spPr>
           <a:xfrm>
-            <a:off x="3274096" y="2768814"/>
+            <a:off x="3535076" y="2597364"/>
             <a:ext cx="1143000" cy="685800"/>
           </a:xfrm>
           <a:prstGeom prst="rect">
@@ -4609,8 +4609,8 @@
         </p:nvCxnSpPr>
         <p:spPr>
           <a:xfrm flipV="1">
-            <a:off x="2862606" y="3111714"/>
-            <a:ext cx="411490" cy="224098"/>
+            <a:off x="2862606" y="2940264"/>
+            <a:ext cx="672470" cy="395548"/>
           </a:xfrm>
           <a:prstGeom prst="straightConnector1">
             <a:avLst/>
@@ -4645,8 +4645,8 @@
         </p:nvCxnSpPr>
         <p:spPr>
           <a:xfrm flipH="1">
-            <a:off x="1657153" y="3454614"/>
-            <a:ext cx="2188443" cy="2596140"/>
+            <a:off x="1657153" y="3283164"/>
+            <a:ext cx="2449423" cy="2767590"/>
           </a:xfrm>
           <a:prstGeom prst="straightConnector1">
             <a:avLst/>
@@ -4733,8 +4733,8 @@
         </p:nvCxnSpPr>
         <p:spPr>
           <a:xfrm flipV="1">
-            <a:off x="4417096" y="2176411"/>
-            <a:ext cx="1143148" cy="935303"/>
+            <a:off x="4678076" y="2176411"/>
+            <a:ext cx="882168" cy="763853"/>
           </a:xfrm>
           <a:prstGeom prst="straightConnector1">
             <a:avLst/>
